--- a/course_material/slides/003_loops.pptx
+++ b/course_material/slides/003_loops.pptx
@@ -14,6 +14,7 @@
     <p:sldId id="262" r:id="rId8"/>
     <p:sldId id="263" r:id="rId9"/>
     <p:sldId id="264" r:id="rId10"/>
+    <p:sldId id="265" r:id="rId11"/>
   </p:sldIdLst>
   <p:sldSz cx="12192000" cy="6858000"/>
   <p:notesSz cx="6858000" cy="9144000"/>
@@ -3697,6 +3698,129 @@
 </p:sld>
 </file>
 
+<file path=ppt/slides/slide10.xml><?xml version="1.0" encoding="utf-8"?>
+<p:sld xmlns:a="http://schemas.openxmlformats.org/drawingml/2006/main" xmlns:r="http://schemas.openxmlformats.org/officeDocument/2006/relationships" xmlns:p="http://schemas.openxmlformats.org/presentationml/2006/main">
+  <p:cSld>
+    <p:spTree>
+      <p:nvGrpSpPr>
+        <p:cNvPr id="1" name=""/>
+        <p:cNvGrpSpPr/>
+        <p:nvPr/>
+      </p:nvGrpSpPr>
+      <p:grpSpPr>
+        <a:xfrm>
+          <a:off x="0" y="0"/>
+          <a:ext cx="0" cy="0"/>
+          <a:chOff x="0" y="0"/>
+          <a:chExt cx="0" cy="0"/>
+        </a:xfrm>
+      </p:grpSpPr>
+      <p:sp>
+        <p:nvSpPr>
+          <p:cNvPr id="2" name="Title 1">
+            <a:extLst>
+              <a:ext uri="{FF2B5EF4-FFF2-40B4-BE49-F238E27FC236}">
+                <a16:creationId xmlns:a16="http://schemas.microsoft.com/office/drawing/2014/main" id="{1E7921F2-9163-E24B-0E80-B54308D02690}"/>
+              </a:ext>
+            </a:extLst>
+          </p:cNvPr>
+          <p:cNvSpPr>
+            <a:spLocks noGrp="1"/>
+          </p:cNvSpPr>
+          <p:nvPr>
+            <p:ph type="title"/>
+          </p:nvPr>
+        </p:nvSpPr>
+        <p:spPr/>
+        <p:txBody>
+          <a:bodyPr/>
+          <a:lstStyle/>
+          <a:p>
+            <a:r>
+              <a:rPr lang="en-US" dirty="0"/>
+              <a:t>Looping Back</a:t>
+            </a:r>
+          </a:p>
+        </p:txBody>
+      </p:sp>
+      <p:sp>
+        <p:nvSpPr>
+          <p:cNvPr id="3" name="Content Placeholder 2">
+            <a:extLst>
+              <a:ext uri="{FF2B5EF4-FFF2-40B4-BE49-F238E27FC236}">
+                <a16:creationId xmlns:a16="http://schemas.microsoft.com/office/drawing/2014/main" id="{0B8A1080-D366-F9F4-FCB7-13DA335AACC8}"/>
+              </a:ext>
+            </a:extLst>
+          </p:cNvPr>
+          <p:cNvSpPr>
+            <a:spLocks noGrp="1"/>
+          </p:cNvSpPr>
+          <p:nvPr>
+            <p:ph idx="1"/>
+          </p:nvPr>
+        </p:nvSpPr>
+        <p:spPr/>
+        <p:txBody>
+          <a:bodyPr/>
+          <a:lstStyle/>
+          <a:p>
+            <a:r>
+              <a:rPr lang="en-US" dirty="0"/>
+              <a:t>Loops are another tool that will be ubiquitous for us. </a:t>
+            </a:r>
+          </a:p>
+          <a:p>
+            <a:r>
+              <a:rPr lang="en-US" dirty="0"/>
+              <a:t>Loops allow for automatic repetition and completing actions over entire sets of objects. </a:t>
+            </a:r>
+          </a:p>
+          <a:p>
+            <a:r>
+              <a:rPr lang="en-US" dirty="0"/>
+              <a:t>Looping can potentially introduce some concerns:</a:t>
+            </a:r>
+          </a:p>
+          <a:p>
+            <a:pPr lvl="1"/>
+            <a:r>
+              <a:rPr lang="en-US" dirty="0"/>
+              <a:t>Execution time can run away. </a:t>
+            </a:r>
+          </a:p>
+          <a:p>
+            <a:pPr lvl="1"/>
+            <a:r>
+              <a:rPr lang="en-US" dirty="0"/>
+              <a:t>Conditions can be erroneous, especially around edge cases. </a:t>
+            </a:r>
+          </a:p>
+          <a:p>
+            <a:r>
+              <a:rPr lang="en-US" dirty="0"/>
+              <a:t>We have different types of loops, depending on what </a:t>
+            </a:r>
+            <a:r>
+              <a:rPr lang="en-US"/>
+              <a:t>we’re doing. </a:t>
+            </a:r>
+            <a:endParaRPr lang="en-US" dirty="0"/>
+          </a:p>
+        </p:txBody>
+      </p:sp>
+    </p:spTree>
+    <p:extLst>
+      <p:ext uri="{BB962C8B-B14F-4D97-AF65-F5344CB8AC3E}">
+        <p14:creationId xmlns:p14="http://schemas.microsoft.com/office/powerpoint/2010/main" val="3877748916"/>
+      </p:ext>
+    </p:extLst>
+  </p:cSld>
+  <p:clrMapOvr>
+    <a:masterClrMapping/>
+  </p:clrMapOvr>
+</p:sld>
+</file>
+
 <file path=ppt/slides/slide2.xml><?xml version="1.0" encoding="utf-8"?>
 <p:sld xmlns:a="http://schemas.openxmlformats.org/drawingml/2006/main" xmlns:r="http://schemas.openxmlformats.org/officeDocument/2006/relationships" xmlns:p="http://schemas.openxmlformats.org/presentationml/2006/main">
   <p:cSld>
@@ -5268,13 +5392,8 @@
             <a:pPr lvl="1"/>
             <a:r>
               <a:rPr lang="en-US" dirty="0"/>
-              <a:t>Care mainly with large data sets</a:t>
-            </a:r>
-            <a:r>
-              <a:rPr lang="en-US"/>
-              <a:t>, such as NN. </a:t>
-            </a:r>
-            <a:endParaRPr lang="en-US" dirty="0"/>
+              <a:t>Care mainly with large data sets, such as NN. </a:t>
+            </a:r>
           </a:p>
           <a:p>
             <a:r>

--- a/course_material/slides/003_loops.pptx
+++ b/course_material/slides/003_loops.pptx
@@ -3759,7 +3759,12 @@
             <p:ph idx="1"/>
           </p:nvPr>
         </p:nvSpPr>
-        <p:spPr/>
+        <p:spPr>
+          <a:xfrm>
+            <a:off x="1451579" y="2015732"/>
+            <a:ext cx="9603275" cy="4037749"/>
+          </a:xfrm>
+        </p:spPr>
         <p:txBody>
           <a:bodyPr/>
           <a:lstStyle/>
@@ -3798,13 +3803,22 @@
           <a:p>
             <a:r>
               <a:rPr lang="en-US" dirty="0"/>
-              <a:t>We have different types of loops, depending on what </a:t>
-            </a:r>
-            <a:r>
-              <a:rPr lang="en-US"/>
-              <a:t>we’re doing. </a:t>
-            </a:r>
-            <a:endParaRPr lang="en-US" dirty="0"/>
+              <a:t>We have different types of loops, depending on what we’re doing. </a:t>
+            </a:r>
+          </a:p>
+          <a:p>
+            <a:pPr lvl="1"/>
+            <a:r>
+              <a:rPr lang="en-US" dirty="0"/>
+              <a:t>“For” looping through all of something. </a:t>
+            </a:r>
+          </a:p>
+          <a:p>
+            <a:pPr lvl="1"/>
+            <a:r>
+              <a:rPr lang="en-US" dirty="0"/>
+              <a:t>“While” looping until some condition you define. </a:t>
+            </a:r>
           </a:p>
         </p:txBody>
       </p:sp>
@@ -4610,8 +4624,8 @@
         </p:nvSpPr>
         <p:spPr>
           <a:xfrm>
-            <a:off x="99391" y="1928192"/>
-            <a:ext cx="4869851" cy="4125290"/>
+            <a:off x="0" y="1928192"/>
+            <a:ext cx="5861277" cy="4125290"/>
           </a:xfrm>
         </p:spPr>
         <p:txBody>
@@ -4709,8 +4723,8 @@
         </p:blipFill>
         <p:spPr bwMode="auto">
           <a:xfrm>
-            <a:off x="4969243" y="1853754"/>
-            <a:ext cx="7222757" cy="2897150"/>
+            <a:off x="5861278" y="1853754"/>
+            <a:ext cx="6330722" cy="2539342"/>
           </a:xfrm>
           <a:prstGeom prst="rect">
             <a:avLst/>

--- a/course_material/slides/003_loops.pptx
+++ b/course_material/slides/003_loops.pptx
@@ -6,15 +6,17 @@
   </p:sldMasterIdLst>
   <p:sldIdLst>
     <p:sldId id="256" r:id="rId2"/>
-    <p:sldId id="257" r:id="rId3"/>
-    <p:sldId id="258" r:id="rId4"/>
-    <p:sldId id="259" r:id="rId5"/>
-    <p:sldId id="260" r:id="rId6"/>
-    <p:sldId id="261" r:id="rId7"/>
-    <p:sldId id="262" r:id="rId8"/>
-    <p:sldId id="263" r:id="rId9"/>
-    <p:sldId id="264" r:id="rId10"/>
-    <p:sldId id="265" r:id="rId11"/>
+    <p:sldId id="267" r:id="rId3"/>
+    <p:sldId id="257" r:id="rId4"/>
+    <p:sldId id="258" r:id="rId5"/>
+    <p:sldId id="259" r:id="rId6"/>
+    <p:sldId id="260" r:id="rId7"/>
+    <p:sldId id="261" r:id="rId8"/>
+    <p:sldId id="262" r:id="rId9"/>
+    <p:sldId id="266" r:id="rId10"/>
+    <p:sldId id="263" r:id="rId11"/>
+    <p:sldId id="264" r:id="rId12"/>
+    <p:sldId id="265" r:id="rId13"/>
   </p:sldIdLst>
   <p:sldSz cx="12192000" cy="6858000"/>
   <p:notesSz cx="6858000" cy="9144000"/>
@@ -3720,7 +3722,7 @@
           <p:cNvPr id="2" name="Title 1">
             <a:extLst>
               <a:ext uri="{FF2B5EF4-FFF2-40B4-BE49-F238E27FC236}">
-                <a16:creationId xmlns:a16="http://schemas.microsoft.com/office/drawing/2014/main" id="{1E7921F2-9163-E24B-0E80-B54308D02690}"/>
+                <a16:creationId xmlns:a16="http://schemas.microsoft.com/office/drawing/2014/main" id="{96596181-64C3-1A29-D589-312656EAC5A5}"/>
               </a:ext>
             </a:extLst>
           </p:cNvPr>
@@ -3738,7 +3740,7 @@
           <a:p>
             <a:r>
               <a:rPr lang="en-US" dirty="0"/>
-              <a:t>Looping Back</a:t>
+              <a:t>Loop Concerns</a:t>
             </a:r>
           </a:p>
         </p:txBody>
@@ -3748,7 +3750,7 @@
           <p:cNvPr id="3" name="Content Placeholder 2">
             <a:extLst>
               <a:ext uri="{FF2B5EF4-FFF2-40B4-BE49-F238E27FC236}">
-                <a16:creationId xmlns:a16="http://schemas.microsoft.com/office/drawing/2014/main" id="{0B8A1080-D366-F9F4-FCB7-13DA335AACC8}"/>
+                <a16:creationId xmlns:a16="http://schemas.microsoft.com/office/drawing/2014/main" id="{A6ED542A-D6DD-DC93-4D35-985AC3961276}"/>
               </a:ext>
             </a:extLst>
           </p:cNvPr>
@@ -3761,8 +3763,8 @@
         </p:nvSpPr>
         <p:spPr>
           <a:xfrm>
-            <a:off x="1451579" y="2015732"/>
-            <a:ext cx="9603275" cy="4037749"/>
+            <a:off x="1451579" y="1853754"/>
+            <a:ext cx="9603275" cy="4199727"/>
           </a:xfrm>
         </p:spPr>
         <p:txBody>
@@ -3771,53 +3773,60 @@
           <a:p>
             <a:r>
               <a:rPr lang="en-US" dirty="0"/>
-              <a:t>Loops are another tool that will be ubiquitous for us. </a:t>
-            </a:r>
-          </a:p>
-          <a:p>
-            <a:r>
-              <a:rPr lang="en-US" dirty="0"/>
-              <a:t>Loops allow for automatic repetition and completing actions over entire sets of objects. </a:t>
-            </a:r>
-          </a:p>
-          <a:p>
-            <a:r>
-              <a:rPr lang="en-US" dirty="0"/>
-              <a:t>Looping can potentially introduce some concerns:</a:t>
+              <a:t>Loops can also introduce errors to our code pretty easily. </a:t>
+            </a:r>
+          </a:p>
+          <a:p>
+            <a:r>
+              <a:rPr lang="en-US" dirty="0"/>
+              <a:t>Some common concerns that we should think to test for are:</a:t>
             </a:r>
           </a:p>
           <a:p>
             <a:pPr lvl="1"/>
             <a:r>
               <a:rPr lang="en-US" dirty="0"/>
-              <a:t>Execution time can run away. </a:t>
+              <a:t>Correct number of executions - +/- 1, first and last items captured, infinite execution. </a:t>
+            </a:r>
+          </a:p>
+          <a:p>
+            <a:r>
+              <a:rPr lang="en-US" dirty="0"/>
+              <a:t>Print statements are the easy way to debug. </a:t>
             </a:r>
           </a:p>
           <a:p>
             <a:pPr lvl="1"/>
             <a:r>
               <a:rPr lang="en-US" dirty="0"/>
-              <a:t>Conditions can be erroneous, especially around edge cases. </a:t>
-            </a:r>
-          </a:p>
-          <a:p>
-            <a:r>
-              <a:rPr lang="en-US" dirty="0"/>
-              <a:t>We have different types of loops, depending on what we’re doing. </a:t>
+              <a:t>Print loop number, key values, other things that matter. </a:t>
             </a:r>
           </a:p>
           <a:p>
             <a:pPr lvl="1"/>
             <a:r>
               <a:rPr lang="en-US" dirty="0"/>
-              <a:t>“For” looping through all of something. </a:t>
+              <a:t>Can be every loop, every X loops, or some critical values like first/last. </a:t>
+            </a:r>
+          </a:p>
+          <a:p>
+            <a:r>
+              <a:rPr lang="en-US" dirty="0"/>
+              <a:t>Nested loops especially can explode in run time. </a:t>
             </a:r>
           </a:p>
           <a:p>
             <a:pPr lvl="1"/>
             <a:r>
               <a:rPr lang="en-US" dirty="0"/>
-              <a:t>“While” looping until some condition you define. </a:t>
+              <a:t>One of the few things we really need to consider for efficiency. </a:t>
+            </a:r>
+          </a:p>
+          <a:p>
+            <a:pPr lvl="1"/>
+            <a:r>
+              <a:rPr lang="en-US" dirty="0"/>
+              <a:t>Particularly when we have large machine learning datasets. </a:t>
             </a:r>
           </a:p>
         </p:txBody>
@@ -3825,7 +3834,7 @@
     </p:spTree>
     <p:extLst>
       <p:ext uri="{BB962C8B-B14F-4D97-AF65-F5344CB8AC3E}">
-        <p14:creationId xmlns:p14="http://schemas.microsoft.com/office/powerpoint/2010/main" val="3877748916"/>
+        <p14:creationId xmlns:p14="http://schemas.microsoft.com/office/powerpoint/2010/main" val="2179936599"/>
       </p:ext>
     </p:extLst>
   </p:cSld>
@@ -3835,123 +3844,7 @@
 </p:sld>
 </file>
 
-<file path=ppt/slides/slide2.xml><?xml version="1.0" encoding="utf-8"?>
-<p:sld xmlns:a="http://schemas.openxmlformats.org/drawingml/2006/main" xmlns:r="http://schemas.openxmlformats.org/officeDocument/2006/relationships" xmlns:p="http://schemas.openxmlformats.org/presentationml/2006/main">
-  <p:cSld>
-    <p:spTree>
-      <p:nvGrpSpPr>
-        <p:cNvPr id="1" name=""/>
-        <p:cNvGrpSpPr/>
-        <p:nvPr/>
-      </p:nvGrpSpPr>
-      <p:grpSpPr>
-        <a:xfrm>
-          <a:off x="0" y="0"/>
-          <a:ext cx="0" cy="0"/>
-          <a:chOff x="0" y="0"/>
-          <a:chExt cx="0" cy="0"/>
-        </a:xfrm>
-      </p:grpSpPr>
-      <p:sp>
-        <p:nvSpPr>
-          <p:cNvPr id="2" name="Title 1">
-            <a:extLst>
-              <a:ext uri="{FF2B5EF4-FFF2-40B4-BE49-F238E27FC236}">
-                <a16:creationId xmlns:a16="http://schemas.microsoft.com/office/drawing/2014/main" id="{2FA292C7-34F5-216C-867E-8CC8BC52D288}"/>
-              </a:ext>
-            </a:extLst>
-          </p:cNvPr>
-          <p:cNvSpPr>
-            <a:spLocks noGrp="1"/>
-          </p:cNvSpPr>
-          <p:nvPr>
-            <p:ph type="title"/>
-          </p:nvPr>
-        </p:nvSpPr>
-        <p:spPr/>
-        <p:txBody>
-          <a:bodyPr/>
-          <a:lstStyle/>
-          <a:p>
-            <a:r>
-              <a:rPr lang="en-US" dirty="0"/>
-              <a:t>Loops are Fun!</a:t>
-            </a:r>
-          </a:p>
-        </p:txBody>
-      </p:sp>
-      <p:sp>
-        <p:nvSpPr>
-          <p:cNvPr id="3" name="Content Placeholder 2">
-            <a:extLst>
-              <a:ext uri="{FF2B5EF4-FFF2-40B4-BE49-F238E27FC236}">
-                <a16:creationId xmlns:a16="http://schemas.microsoft.com/office/drawing/2014/main" id="{57FA5C70-C2F6-AC0B-0C4D-F81CEEED7B7A}"/>
-              </a:ext>
-            </a:extLst>
-          </p:cNvPr>
-          <p:cNvSpPr>
-            <a:spLocks noGrp="1"/>
-          </p:cNvSpPr>
-          <p:nvPr>
-            <p:ph idx="1"/>
-          </p:nvPr>
-        </p:nvSpPr>
-        <p:spPr>
-          <a:xfrm>
-            <a:off x="1451579" y="2015732"/>
-            <a:ext cx="9603275" cy="4037749"/>
-          </a:xfrm>
-        </p:spPr>
-        <p:txBody>
-          <a:bodyPr/>
-          <a:lstStyle/>
-          <a:p>
-            <a:r>
-              <a:rPr lang="en-US" dirty="0"/>
-              <a:t>Loops are another core piece of logical control. </a:t>
-            </a:r>
-          </a:p>
-          <a:p>
-            <a:r>
-              <a:rPr lang="en-US" dirty="0"/>
-              <a:t>Loops repeat some block of code until some condition is met. </a:t>
-            </a:r>
-          </a:p>
-          <a:p>
-            <a:r>
-              <a:rPr lang="en-US" dirty="0"/>
-              <a:t>Loops allow us to write some action in a block of code, then do that over and over as many times as needed. </a:t>
-            </a:r>
-          </a:p>
-          <a:p>
-            <a:pPr lvl="1"/>
-            <a:r>
-              <a:rPr lang="en-US" dirty="0"/>
-              <a:t>E.g. increase the price of this list of products by 10%</a:t>
-            </a:r>
-          </a:p>
-          <a:p>
-            <a:r>
-              <a:rPr lang="en-US" dirty="0"/>
-              <a:t>Commonly used to do something a preset number of times, or do something to every item in a data structure. </a:t>
-            </a:r>
-          </a:p>
-        </p:txBody>
-      </p:sp>
-    </p:spTree>
-    <p:extLst>
-      <p:ext uri="{BB962C8B-B14F-4D97-AF65-F5344CB8AC3E}">
-        <p14:creationId xmlns:p14="http://schemas.microsoft.com/office/powerpoint/2010/main" val="4241327480"/>
-      </p:ext>
-    </p:extLst>
-  </p:cSld>
-  <p:clrMapOvr>
-    <a:masterClrMapping/>
-  </p:clrMapOvr>
-</p:sld>
-</file>
-
-<file path=ppt/slides/slide3.xml><?xml version="1.0" encoding="utf-8"?>
+<file path=ppt/slides/slide11.xml><?xml version="1.0" encoding="utf-8"?>
 <p:sld xmlns:a="http://schemas.openxmlformats.org/drawingml/2006/main" xmlns:r="http://schemas.openxmlformats.org/officeDocument/2006/relationships" xmlns:p="http://schemas.openxmlformats.org/presentationml/2006/main">
   <p:cSld>
     <p:bg>
@@ -3997,7 +3890,7 @@
           <p:cNvPr id="2" name="Title 1">
             <a:extLst>
               <a:ext uri="{FF2B5EF4-FFF2-40B4-BE49-F238E27FC236}">
-                <a16:creationId xmlns:a16="http://schemas.microsoft.com/office/drawing/2014/main" id="{5B5ADEE4-B882-852C-2A64-2765D7B79895}"/>
+                <a16:creationId xmlns:a16="http://schemas.microsoft.com/office/drawing/2014/main" id="{85FAAAFC-1088-0106-A491-0AA587097E53}"/>
               </a:ext>
             </a:extLst>
           </p:cNvPr>
@@ -4022,7 +3915,7 @@
           <a:p>
             <a:r>
               <a:rPr lang="en-US" dirty="0"/>
-              <a:t>While Loops</a:t>
+              <a:t>O-Notation</a:t>
             </a:r>
           </a:p>
         </p:txBody>
@@ -4032,7 +3925,7 @@
           <p:cNvPr id="3" name="Content Placeholder 2">
             <a:extLst>
               <a:ext uri="{FF2B5EF4-FFF2-40B4-BE49-F238E27FC236}">
-                <a16:creationId xmlns:a16="http://schemas.microsoft.com/office/drawing/2014/main" id="{FA7A62DE-D1BE-58EF-8957-095ED0BCEF82}"/>
+                <a16:creationId xmlns:a16="http://schemas.microsoft.com/office/drawing/2014/main" id="{8E4F0EF2-E1F9-4A25-BC81-2B0CE493FEC7}"/>
               </a:ext>
             </a:extLst>
           </p:cNvPr>
@@ -4045,85 +3938,73 @@
         </p:nvSpPr>
         <p:spPr>
           <a:xfrm>
-            <a:off x="564293" y="2015734"/>
-            <a:ext cx="6034216" cy="4037747"/>
+            <a:off x="86497" y="1853754"/>
+            <a:ext cx="5527637" cy="4162865"/>
           </a:xfrm>
         </p:spPr>
         <p:txBody>
           <a:bodyPr>
-            <a:normAutofit/>
+            <a:normAutofit fontScale="92500" lnSpcReduction="20000"/>
           </a:bodyPr>
           <a:lstStyle/>
           <a:p>
             <a:r>
               <a:rPr lang="en-US" dirty="0"/>
-              <a:t>While loops are the simplest type of loop. </a:t>
+              <a:t>O Notation or Big O Notation is a way to express a rough estimate of speed of an algorithm. </a:t>
             </a:r>
           </a:p>
           <a:p>
             <a:pPr lvl="1"/>
             <a:r>
               <a:rPr lang="en-US" dirty="0"/>
-              <a:t>Check a Boolean test in our condition. </a:t>
+              <a:t>Algorithm – set of steps to achieve a goal. </a:t>
+            </a:r>
+          </a:p>
+          <a:p>
+            <a:r>
+              <a:rPr lang="en-US" dirty="0"/>
+              <a:t>We don’t need to memorize this, but it is a good way to start to consider efficiency when we are looping over massive things many times. </a:t>
             </a:r>
           </a:p>
           <a:p>
             <a:pPr lvl="1"/>
             <a:r>
               <a:rPr lang="en-US" dirty="0"/>
-              <a:t>If it is true, do the body of the loop, then repeat the test. </a:t>
-            </a:r>
-          </a:p>
-          <a:p>
-            <a:pPr lvl="1"/>
-            <a:r>
-              <a:rPr lang="en-US" dirty="0"/>
-              <a:t>If it is false, exit the loop and go on to whatever is below. </a:t>
-            </a:r>
-          </a:p>
-          <a:p>
-            <a:r>
-              <a:rPr lang="en-US" dirty="0"/>
-              <a:t>Often paired with a counter. </a:t>
-            </a:r>
-          </a:p>
-          <a:p>
-            <a:pPr lvl="1"/>
-            <a:r>
-              <a:rPr lang="en-US" dirty="0"/>
-              <a:t>E.g. </a:t>
-            </a:r>
-            <a:r>
-              <a:rPr lang="en-US" dirty="0" err="1"/>
-              <a:t>i</a:t>
-            </a:r>
-            <a:r>
-              <a:rPr lang="en-US" dirty="0"/>
-              <a:t> &lt; length as condition. </a:t>
-            </a:r>
-            <a:r>
-              <a:rPr lang="en-US" dirty="0" err="1"/>
-              <a:t>i</a:t>
-            </a:r>
-            <a:r>
-              <a:rPr lang="en-US" dirty="0"/>
-              <a:t> =+ 1 at the end. </a:t>
-            </a:r>
-          </a:p>
-          <a:p>
-            <a:r>
-              <a:rPr lang="en-US" dirty="0"/>
-              <a:t>Note: the test is performed first, so there could be 0 executions. </a:t>
+              <a:t>Care mainly with large data sets, such as NN. </a:t>
+            </a:r>
+          </a:p>
+          <a:p>
+            <a:r>
+              <a:rPr lang="en-US" dirty="0"/>
+              <a:t>O(1) – it take the same time no matter what. </a:t>
+            </a:r>
+          </a:p>
+          <a:p>
+            <a:r>
+              <a:rPr lang="en-US" dirty="0"/>
+              <a:t>O(n) – it take the same time for each item. </a:t>
+            </a:r>
+          </a:p>
+          <a:p>
+            <a:r>
+              <a:rPr lang="en-US" dirty="0"/>
+              <a:t>O(n2) – it takes time times time. Nested linear. </a:t>
+            </a:r>
+          </a:p>
+          <a:p>
+            <a:r>
+              <a:rPr lang="en-US" dirty="0"/>
+              <a:t>O(2n) – it takes time to the time. Find all subsets. </a:t>
             </a:r>
           </a:p>
         </p:txBody>
       </p:sp>
       <p:pic>
         <p:nvPicPr>
-          <p:cNvPr id="1026" name="Picture 2" descr="Python While Loop Tutorial – Do While True Example Statement">
+          <p:cNvPr id="5122" name="Picture 2" descr="Big O Notation: What Is It?. Note that when evaluating the… | by Mohit  Varikuti | Towards AI">
             <a:extLst>
               <a:ext uri="{FF2B5EF4-FFF2-40B4-BE49-F238E27FC236}">
-                <a16:creationId xmlns:a16="http://schemas.microsoft.com/office/drawing/2014/main" id="{B104A627-A48D-A96A-492A-476325E953D9}"/>
+                <a16:creationId xmlns:a16="http://schemas.microsoft.com/office/drawing/2014/main" id="{69A8AC54-DA02-9163-EE3E-91FC5DD39031}"/>
               </a:ext>
             </a:extLst>
           </p:cNvPr>
@@ -4146,8 +4027,8 @@
         </p:blipFill>
         <p:spPr bwMode="auto">
           <a:xfrm>
-            <a:off x="6886350" y="1841965"/>
-            <a:ext cx="4911398" cy="5019105"/>
+            <a:off x="5614134" y="1890616"/>
+            <a:ext cx="6632017" cy="4162865"/>
           </a:xfrm>
           <a:prstGeom prst="rect">
             <a:avLst/>
@@ -4167,7 +4048,7 @@
     </p:spTree>
     <p:extLst>
       <p:ext uri="{BB962C8B-B14F-4D97-AF65-F5344CB8AC3E}">
-        <p14:creationId xmlns:p14="http://schemas.microsoft.com/office/powerpoint/2010/main" val="4003331990"/>
+        <p14:creationId xmlns:p14="http://schemas.microsoft.com/office/powerpoint/2010/main" val="2071656244"/>
       </p:ext>
     </p:extLst>
   </p:cSld>
@@ -4177,7 +4058,7 @@
 </p:sld>
 </file>
 
-<file path=ppt/slides/slide4.xml><?xml version="1.0" encoding="utf-8"?>
+<file path=ppt/slides/slide12.xml><?xml version="1.0" encoding="utf-8"?>
 <p:sld xmlns:a="http://schemas.openxmlformats.org/drawingml/2006/main" xmlns:r="http://schemas.openxmlformats.org/officeDocument/2006/relationships" xmlns:p="http://schemas.openxmlformats.org/presentationml/2006/main">
   <p:cSld>
     <p:spTree>
@@ -4199,7 +4080,7 @@
           <p:cNvPr id="2" name="Title 1">
             <a:extLst>
               <a:ext uri="{FF2B5EF4-FFF2-40B4-BE49-F238E27FC236}">
-                <a16:creationId xmlns:a16="http://schemas.microsoft.com/office/drawing/2014/main" id="{039C3146-1CF1-98AD-5F6A-E695C6E6C1DC}"/>
+                <a16:creationId xmlns:a16="http://schemas.microsoft.com/office/drawing/2014/main" id="{1E7921F2-9163-E24B-0E80-B54308D02690}"/>
               </a:ext>
             </a:extLst>
           </p:cNvPr>
@@ -4217,7 +4098,7 @@
           <a:p>
             <a:r>
               <a:rPr lang="en-US" dirty="0"/>
-              <a:t>While Loop Syntax</a:t>
+              <a:t>Looping Back</a:t>
             </a:r>
           </a:p>
         </p:txBody>
@@ -4227,7 +4108,7 @@
           <p:cNvPr id="3" name="Content Placeholder 2">
             <a:extLst>
               <a:ext uri="{FF2B5EF4-FFF2-40B4-BE49-F238E27FC236}">
-                <a16:creationId xmlns:a16="http://schemas.microsoft.com/office/drawing/2014/main" id="{10E74625-E97E-5119-55DE-DC1D5E3EFCCD}"/>
+                <a16:creationId xmlns:a16="http://schemas.microsoft.com/office/drawing/2014/main" id="{0B8A1080-D366-F9F4-FCB7-13DA335AACC8}"/>
               </a:ext>
             </a:extLst>
           </p:cNvPr>
@@ -4240,8 +4121,8 @@
         </p:nvSpPr>
         <p:spPr>
           <a:xfrm>
-            <a:off x="1025611" y="2015732"/>
-            <a:ext cx="5226909" cy="3890798"/>
+            <a:off x="1451579" y="2015732"/>
+            <a:ext cx="9603275" cy="4037749"/>
           </a:xfrm>
         </p:spPr>
         <p:txBody>
@@ -4250,88 +4131,61 @@
           <a:p>
             <a:r>
               <a:rPr lang="en-US" dirty="0"/>
-              <a:t>The structure of a while loop is very similar to an “if”. </a:t>
-            </a:r>
-          </a:p>
-          <a:p>
-            <a:r>
-              <a:rPr lang="en-US" dirty="0"/>
-              <a:t>Indentation denotes the body of the loop. </a:t>
-            </a:r>
-          </a:p>
-          <a:p>
-            <a:r>
-              <a:rPr lang="en-US" dirty="0"/>
-              <a:t>Print statements that tell you which execution you’re in are helpful to debug. </a:t>
-            </a:r>
-          </a:p>
-          <a:p>
-            <a:endParaRPr lang="en-US" dirty="0"/>
-          </a:p>
-          <a:p>
-            <a:r>
-              <a:rPr lang="en-US" dirty="0"/>
-              <a:t>Loops can be Infinite, or non-terminating, so make sure your condition makes sense.</a:t>
+              <a:t>Loops are another tool that will be ubiquitous for us. </a:t>
+            </a:r>
+          </a:p>
+          <a:p>
+            <a:r>
+              <a:rPr lang="en-US" dirty="0"/>
+              <a:t>Loops allow for automatic repetition and completing actions over entire sets of objects. </a:t>
+            </a:r>
+          </a:p>
+          <a:p>
+            <a:r>
+              <a:rPr lang="en-US" dirty="0"/>
+              <a:t>Looping can potentially introduce some concerns:</a:t>
             </a:r>
           </a:p>
           <a:p>
             <a:pPr lvl="1"/>
             <a:r>
               <a:rPr lang="en-US" dirty="0"/>
-              <a:t>If there’s a counter, make sure it updates. </a:t>
-            </a:r>
-          </a:p>
-        </p:txBody>
-      </p:sp>
-      <p:pic>
-        <p:nvPicPr>
-          <p:cNvPr id="2050" name="Picture 2" descr="While loops in Python">
-            <a:extLst>
-              <a:ext uri="{FF2B5EF4-FFF2-40B4-BE49-F238E27FC236}">
-                <a16:creationId xmlns:a16="http://schemas.microsoft.com/office/drawing/2014/main" id="{6E360B07-B232-D8CC-1509-518AD223DC82}"/>
-              </a:ext>
-            </a:extLst>
-          </p:cNvPr>
-          <p:cNvPicPr>
-            <a:picLocks noChangeAspect="1" noChangeArrowheads="1"/>
-          </p:cNvPicPr>
-          <p:nvPr/>
-        </p:nvPicPr>
-        <p:blipFill rotWithShape="1">
-          <a:blip r:embed="rId2">
-            <a:extLst>
-              <a:ext uri="{28A0092B-C50C-407E-A947-70E740481C1C}">
-                <a14:useLocalDpi xmlns:a14="http://schemas.microsoft.com/office/drawing/2010/main" val="0"/>
-              </a:ext>
-            </a:extLst>
-          </a:blip>
-          <a:srcRect l="22857" t="6310" r="25598" b="16085"/>
-          <a:stretch/>
-        </p:blipFill>
-        <p:spPr bwMode="auto">
-          <a:xfrm>
-            <a:off x="6524367" y="2015732"/>
-            <a:ext cx="5498757" cy="4661826"/>
-          </a:xfrm>
-          <a:prstGeom prst="rect">
-            <a:avLst/>
-          </a:prstGeom>
-          <a:noFill/>
-          <a:extLst>
-            <a:ext uri="{909E8E84-426E-40DD-AFC4-6F175D3DCCD1}">
-              <a14:hiddenFill xmlns:a14="http://schemas.microsoft.com/office/drawing/2010/main">
-                <a:solidFill>
-                  <a:srgbClr val="FFFFFF"/>
-                </a:solidFill>
-              </a14:hiddenFill>
-            </a:ext>
-          </a:extLst>
-        </p:spPr>
-      </p:pic>
+              <a:t>Execution time can run away. </a:t>
+            </a:r>
+          </a:p>
+          <a:p>
+            <a:pPr lvl="1"/>
+            <a:r>
+              <a:rPr lang="en-US" dirty="0"/>
+              <a:t>Conditions can be erroneous, especially around edge cases. </a:t>
+            </a:r>
+          </a:p>
+          <a:p>
+            <a:r>
+              <a:rPr lang="en-US" dirty="0"/>
+              <a:t>We have different types of loops, depending on what we’re doing. </a:t>
+            </a:r>
+          </a:p>
+          <a:p>
+            <a:pPr lvl="1"/>
+            <a:r>
+              <a:rPr lang="en-US" dirty="0"/>
+              <a:t>“For” looping through all of something. </a:t>
+            </a:r>
+          </a:p>
+          <a:p>
+            <a:pPr lvl="1"/>
+            <a:r>
+              <a:rPr lang="en-US" dirty="0"/>
+              <a:t>“While” looping until some condition you define. </a:t>
+            </a:r>
+          </a:p>
+        </p:txBody>
+      </p:sp>
     </p:spTree>
     <p:extLst>
       <p:ext uri="{BB962C8B-B14F-4D97-AF65-F5344CB8AC3E}">
-        <p14:creationId xmlns:p14="http://schemas.microsoft.com/office/powerpoint/2010/main" val="1927239041"/>
+        <p14:creationId xmlns:p14="http://schemas.microsoft.com/office/powerpoint/2010/main" val="3877748916"/>
       </p:ext>
     </p:extLst>
   </p:cSld>
@@ -4341,7 +4195,275 @@
 </p:sld>
 </file>
 
-<file path=ppt/slides/slide5.xml><?xml version="1.0" encoding="utf-8"?>
+<file path=ppt/slides/slide2.xml><?xml version="1.0" encoding="utf-8"?>
+<p:sld xmlns:a="http://schemas.openxmlformats.org/drawingml/2006/main" xmlns:r="http://schemas.openxmlformats.org/officeDocument/2006/relationships" xmlns:p="http://schemas.openxmlformats.org/presentationml/2006/main">
+  <p:cSld>
+    <p:spTree>
+      <p:nvGrpSpPr>
+        <p:cNvPr id="1" name=""/>
+        <p:cNvGrpSpPr/>
+        <p:nvPr/>
+      </p:nvGrpSpPr>
+      <p:grpSpPr>
+        <a:xfrm>
+          <a:off x="0" y="0"/>
+          <a:ext cx="0" cy="0"/>
+          <a:chOff x="0" y="0"/>
+          <a:chExt cx="0" cy="0"/>
+        </a:xfrm>
+      </p:grpSpPr>
+      <p:sp>
+        <p:nvSpPr>
+          <p:cNvPr id="2" name="Title 1">
+            <a:extLst>
+              <a:ext uri="{FF2B5EF4-FFF2-40B4-BE49-F238E27FC236}">
+                <a16:creationId xmlns:a16="http://schemas.microsoft.com/office/drawing/2014/main" id="{AC5BCD5E-7D6D-6D42-1FE8-BE5C8EB349ED}"/>
+              </a:ext>
+            </a:extLst>
+          </p:cNvPr>
+          <p:cNvSpPr>
+            <a:spLocks noGrp="1"/>
+          </p:cNvSpPr>
+          <p:nvPr>
+            <p:ph type="title"/>
+          </p:nvPr>
+        </p:nvSpPr>
+        <p:spPr/>
+        <p:txBody>
+          <a:bodyPr/>
+          <a:lstStyle/>
+          <a:p>
+            <a:r>
+              <a:rPr lang="en-US" dirty="0"/>
+              <a:t>Housekeeping</a:t>
+            </a:r>
+          </a:p>
+        </p:txBody>
+      </p:sp>
+      <p:sp>
+        <p:nvSpPr>
+          <p:cNvPr id="3" name="Content Placeholder 2">
+            <a:extLst>
+              <a:ext uri="{FF2B5EF4-FFF2-40B4-BE49-F238E27FC236}">
+                <a16:creationId xmlns:a16="http://schemas.microsoft.com/office/drawing/2014/main" id="{5E89CCBA-ABEB-CACE-B404-046F8AC2C86C}"/>
+              </a:ext>
+            </a:extLst>
+          </p:cNvPr>
+          <p:cNvSpPr>
+            <a:spLocks noGrp="1"/>
+          </p:cNvSpPr>
+          <p:nvPr>
+            <p:ph idx="1"/>
+          </p:nvPr>
+        </p:nvSpPr>
+        <p:spPr>
+          <a:xfrm>
+            <a:off x="1451579" y="2015732"/>
+            <a:ext cx="9603275" cy="4116711"/>
+          </a:xfrm>
+        </p:spPr>
+        <p:txBody>
+          <a:bodyPr>
+            <a:normAutofit/>
+          </a:bodyPr>
+          <a:lstStyle/>
+          <a:p>
+            <a:r>
+              <a:rPr lang="en-US" dirty="0"/>
+              <a:t>Questions?</a:t>
+            </a:r>
+          </a:p>
+          <a:p>
+            <a:pPr lvl="1"/>
+            <a:r>
+              <a:rPr lang="en-US" dirty="0"/>
+              <a:t>Is anything in other classes (stats) a current sticking point? </a:t>
+            </a:r>
+          </a:p>
+          <a:p>
+            <a:r>
+              <a:rPr lang="en-US" dirty="0"/>
+              <a:t>Today:</a:t>
+            </a:r>
+          </a:p>
+          <a:p>
+            <a:pPr lvl="1"/>
+            <a:r>
+              <a:rPr lang="en-US" dirty="0"/>
+              <a:t>Looping</a:t>
+            </a:r>
+          </a:p>
+          <a:p>
+            <a:pPr lvl="1"/>
+            <a:r>
+              <a:rPr lang="en-US" dirty="0"/>
+              <a:t>Functions</a:t>
+            </a:r>
+          </a:p>
+          <a:p>
+            <a:pPr lvl="1"/>
+            <a:r>
+              <a:rPr lang="en-US" dirty="0"/>
+              <a:t>Chapters 3 + 7 in text. End of chapters have extra exercises. </a:t>
+            </a:r>
+          </a:p>
+          <a:p>
+            <a:pPr lvl="1"/>
+            <a:r>
+              <a:rPr lang="en-US" dirty="0"/>
+              <a:t>Maybe some file access stuff, depending </a:t>
+            </a:r>
+            <a:r>
+              <a:rPr lang="en-US"/>
+              <a:t>on time.  </a:t>
+            </a:r>
+            <a:endParaRPr lang="en-US" dirty="0"/>
+          </a:p>
+          <a:p>
+            <a:r>
+              <a:rPr lang="en-US" dirty="0"/>
+              <a:t>By the end of today….</a:t>
+            </a:r>
+          </a:p>
+          <a:p>
+            <a:pPr lvl="1"/>
+            <a:r>
+              <a:rPr lang="en-US" dirty="0"/>
+              <a:t>Comfortable opening/editing/running notebooks. Good with flow control. OK on functions. </a:t>
+            </a:r>
+          </a:p>
+        </p:txBody>
+      </p:sp>
+    </p:spTree>
+    <p:extLst>
+      <p:ext uri="{BB962C8B-B14F-4D97-AF65-F5344CB8AC3E}">
+        <p14:creationId xmlns:p14="http://schemas.microsoft.com/office/powerpoint/2010/main" val="1846090826"/>
+      </p:ext>
+    </p:extLst>
+  </p:cSld>
+  <p:clrMapOvr>
+    <a:masterClrMapping/>
+  </p:clrMapOvr>
+</p:sld>
+</file>
+
+<file path=ppt/slides/slide3.xml><?xml version="1.0" encoding="utf-8"?>
+<p:sld xmlns:a="http://schemas.openxmlformats.org/drawingml/2006/main" xmlns:r="http://schemas.openxmlformats.org/officeDocument/2006/relationships" xmlns:p="http://schemas.openxmlformats.org/presentationml/2006/main">
+  <p:cSld>
+    <p:spTree>
+      <p:nvGrpSpPr>
+        <p:cNvPr id="1" name=""/>
+        <p:cNvGrpSpPr/>
+        <p:nvPr/>
+      </p:nvGrpSpPr>
+      <p:grpSpPr>
+        <a:xfrm>
+          <a:off x="0" y="0"/>
+          <a:ext cx="0" cy="0"/>
+          <a:chOff x="0" y="0"/>
+          <a:chExt cx="0" cy="0"/>
+        </a:xfrm>
+      </p:grpSpPr>
+      <p:sp>
+        <p:nvSpPr>
+          <p:cNvPr id="2" name="Title 1">
+            <a:extLst>
+              <a:ext uri="{FF2B5EF4-FFF2-40B4-BE49-F238E27FC236}">
+                <a16:creationId xmlns:a16="http://schemas.microsoft.com/office/drawing/2014/main" id="{2FA292C7-34F5-216C-867E-8CC8BC52D288}"/>
+              </a:ext>
+            </a:extLst>
+          </p:cNvPr>
+          <p:cNvSpPr>
+            <a:spLocks noGrp="1"/>
+          </p:cNvSpPr>
+          <p:nvPr>
+            <p:ph type="title"/>
+          </p:nvPr>
+        </p:nvSpPr>
+        <p:spPr/>
+        <p:txBody>
+          <a:bodyPr/>
+          <a:lstStyle/>
+          <a:p>
+            <a:r>
+              <a:rPr lang="en-US" dirty="0"/>
+              <a:t>Loops are Fun!</a:t>
+            </a:r>
+          </a:p>
+        </p:txBody>
+      </p:sp>
+      <p:sp>
+        <p:nvSpPr>
+          <p:cNvPr id="3" name="Content Placeholder 2">
+            <a:extLst>
+              <a:ext uri="{FF2B5EF4-FFF2-40B4-BE49-F238E27FC236}">
+                <a16:creationId xmlns:a16="http://schemas.microsoft.com/office/drawing/2014/main" id="{57FA5C70-C2F6-AC0B-0C4D-F81CEEED7B7A}"/>
+              </a:ext>
+            </a:extLst>
+          </p:cNvPr>
+          <p:cNvSpPr>
+            <a:spLocks noGrp="1"/>
+          </p:cNvSpPr>
+          <p:nvPr>
+            <p:ph idx="1"/>
+          </p:nvPr>
+        </p:nvSpPr>
+        <p:spPr>
+          <a:xfrm>
+            <a:off x="1451579" y="2015732"/>
+            <a:ext cx="9603275" cy="4037749"/>
+          </a:xfrm>
+        </p:spPr>
+        <p:txBody>
+          <a:bodyPr/>
+          <a:lstStyle/>
+          <a:p>
+            <a:r>
+              <a:rPr lang="en-US" dirty="0"/>
+              <a:t>Loops are another core piece of logical control. </a:t>
+            </a:r>
+          </a:p>
+          <a:p>
+            <a:r>
+              <a:rPr lang="en-US" dirty="0"/>
+              <a:t>Loops repeat some block of code until some condition is met. </a:t>
+            </a:r>
+          </a:p>
+          <a:p>
+            <a:r>
+              <a:rPr lang="en-US" dirty="0"/>
+              <a:t>Loops allow us to write some action in a block of code, then do that over and over as many times as needed. </a:t>
+            </a:r>
+          </a:p>
+          <a:p>
+            <a:pPr lvl="1"/>
+            <a:r>
+              <a:rPr lang="en-US" dirty="0"/>
+              <a:t>E.g. increase the price of this list of products by 10%</a:t>
+            </a:r>
+          </a:p>
+          <a:p>
+            <a:r>
+              <a:rPr lang="en-US" dirty="0"/>
+              <a:t>Commonly used to do something a preset number of times, or do something to every item in a data structure. </a:t>
+            </a:r>
+          </a:p>
+        </p:txBody>
+      </p:sp>
+    </p:spTree>
+    <p:extLst>
+      <p:ext uri="{BB962C8B-B14F-4D97-AF65-F5344CB8AC3E}">
+        <p14:creationId xmlns:p14="http://schemas.microsoft.com/office/powerpoint/2010/main" val="4241327480"/>
+      </p:ext>
+    </p:extLst>
+  </p:cSld>
+  <p:clrMapOvr>
+    <a:masterClrMapping/>
+  </p:clrMapOvr>
+</p:sld>
+</file>
+
+<file path=ppt/slides/slide4.xml><?xml version="1.0" encoding="utf-8"?>
 <p:sld xmlns:a="http://schemas.openxmlformats.org/drawingml/2006/main" xmlns:r="http://schemas.openxmlformats.org/officeDocument/2006/relationships" xmlns:p="http://schemas.openxmlformats.org/presentationml/2006/main">
   <p:cSld>
     <p:bg>
@@ -4387,7 +4509,7 @@
           <p:cNvPr id="2" name="Title 1">
             <a:extLst>
               <a:ext uri="{FF2B5EF4-FFF2-40B4-BE49-F238E27FC236}">
-                <a16:creationId xmlns:a16="http://schemas.microsoft.com/office/drawing/2014/main" id="{F58CE888-1C11-99E9-5AA8-A093B8E7B25A}"/>
+                <a16:creationId xmlns:a16="http://schemas.microsoft.com/office/drawing/2014/main" id="{5B5ADEE4-B882-852C-2A64-2765D7B79895}"/>
               </a:ext>
             </a:extLst>
           </p:cNvPr>
@@ -4412,7 +4534,7 @@
           <a:p>
             <a:r>
               <a:rPr lang="en-US" dirty="0"/>
-              <a:t>For Loops</a:t>
+              <a:t>While Loops</a:t>
             </a:r>
           </a:p>
         </p:txBody>
@@ -4422,7 +4544,7 @@
           <p:cNvPr id="3" name="Content Placeholder 2">
             <a:extLst>
               <a:ext uri="{FF2B5EF4-FFF2-40B4-BE49-F238E27FC236}">
-                <a16:creationId xmlns:a16="http://schemas.microsoft.com/office/drawing/2014/main" id="{88B09C3D-59DA-1BC2-8795-972E40FD3CD0}"/>
+                <a16:creationId xmlns:a16="http://schemas.microsoft.com/office/drawing/2014/main" id="{FA7A62DE-D1BE-58EF-8957-095ED0BCEF82}"/>
               </a:ext>
             </a:extLst>
           </p:cNvPr>
@@ -4435,8 +4557,8 @@
         </p:nvSpPr>
         <p:spPr>
           <a:xfrm>
-            <a:off x="494270" y="2015734"/>
-            <a:ext cx="5226907" cy="4037747"/>
+            <a:off x="564293" y="2015734"/>
+            <a:ext cx="6034216" cy="4037747"/>
           </a:xfrm>
         </p:spPr>
         <p:txBody>
@@ -4447,36 +4569,73 @@
           <a:p>
             <a:r>
               <a:rPr lang="en-US" dirty="0"/>
-              <a:t>For loops are another common loop type, probably the most common in DS. </a:t>
-            </a:r>
-          </a:p>
-          <a:p>
-            <a:r>
-              <a:rPr lang="en-US" dirty="0"/>
-              <a:t>For loops are normally done to items in a data structure. </a:t>
+              <a:t>While loops are the simplest type of loop. </a:t>
             </a:r>
           </a:p>
           <a:p>
             <a:pPr lvl="1"/>
             <a:r>
               <a:rPr lang="en-US" dirty="0"/>
-              <a:t>“For each item in this list, do this stuff”. </a:t>
-            </a:r>
-          </a:p>
-          <a:p>
-            <a:r>
-              <a:rPr lang="en-US" dirty="0"/>
-              <a:t>Since we will end up dealing mostly with big stacks of data, this makes sense for us. </a:t>
+              <a:t>Check a Boolean test in our condition. </a:t>
+            </a:r>
+          </a:p>
+          <a:p>
+            <a:pPr lvl="1"/>
+            <a:r>
+              <a:rPr lang="en-US" dirty="0"/>
+              <a:t>If it is true, do the body of the loop, then repeat the test. </a:t>
+            </a:r>
+          </a:p>
+          <a:p>
+            <a:pPr lvl="1"/>
+            <a:r>
+              <a:rPr lang="en-US" dirty="0"/>
+              <a:t>If it is false, exit the loop and go on to whatever is below. </a:t>
+            </a:r>
+          </a:p>
+          <a:p>
+            <a:r>
+              <a:rPr lang="en-US" dirty="0"/>
+              <a:t>Often paired with a counter. </a:t>
+            </a:r>
+          </a:p>
+          <a:p>
+            <a:pPr lvl="1"/>
+            <a:r>
+              <a:rPr lang="en-US" dirty="0"/>
+              <a:t>E.g. </a:t>
+            </a:r>
+            <a:r>
+              <a:rPr lang="en-US" dirty="0" err="1"/>
+              <a:t>i</a:t>
+            </a:r>
+            <a:r>
+              <a:rPr lang="en-US" dirty="0"/>
+              <a:t> &lt; length as condition. </a:t>
+            </a:r>
+            <a:r>
+              <a:rPr lang="en-US" dirty="0" err="1"/>
+              <a:t>i</a:t>
+            </a:r>
+            <a:r>
+              <a:rPr lang="en-US" dirty="0"/>
+              <a:t> =+ 1 at the end. </a:t>
+            </a:r>
+          </a:p>
+          <a:p>
+            <a:r>
+              <a:rPr lang="en-US" dirty="0"/>
+              <a:t>Note: the test is performed first, so there could be 0 executions. </a:t>
             </a:r>
           </a:p>
         </p:txBody>
       </p:sp>
       <p:pic>
         <p:nvPicPr>
-          <p:cNvPr id="3074" name="Picture 2" descr="Python For Loops - GeeksforGeeks">
+          <p:cNvPr id="1026" name="Picture 2" descr="Python While Loop Tutorial – Do While True Example Statement">
             <a:extLst>
               <a:ext uri="{FF2B5EF4-FFF2-40B4-BE49-F238E27FC236}">
-                <a16:creationId xmlns:a16="http://schemas.microsoft.com/office/drawing/2014/main" id="{DA758AE6-514B-5633-01D8-A9876B279BCA}"/>
+                <a16:creationId xmlns:a16="http://schemas.microsoft.com/office/drawing/2014/main" id="{B104A627-A48D-A96A-492A-476325E953D9}"/>
               </a:ext>
             </a:extLst>
           </p:cNvPr>
@@ -4499,8 +4658,8 @@
         </p:blipFill>
         <p:spPr bwMode="auto">
           <a:xfrm>
-            <a:off x="6094411" y="1901395"/>
-            <a:ext cx="6110568" cy="3757999"/>
+            <a:off x="6886350" y="1841965"/>
+            <a:ext cx="4911398" cy="5019105"/>
           </a:xfrm>
           <a:prstGeom prst="rect">
             <a:avLst/>
@@ -4520,7 +4679,176 @@
     </p:spTree>
     <p:extLst>
       <p:ext uri="{BB962C8B-B14F-4D97-AF65-F5344CB8AC3E}">
-        <p14:creationId xmlns:p14="http://schemas.microsoft.com/office/powerpoint/2010/main" val="1192004791"/>
+        <p14:creationId xmlns:p14="http://schemas.microsoft.com/office/powerpoint/2010/main" val="4003331990"/>
+      </p:ext>
+    </p:extLst>
+  </p:cSld>
+  <p:clrMapOvr>
+    <a:masterClrMapping/>
+  </p:clrMapOvr>
+</p:sld>
+</file>
+
+<file path=ppt/slides/slide5.xml><?xml version="1.0" encoding="utf-8"?>
+<p:sld xmlns:a="http://schemas.openxmlformats.org/drawingml/2006/main" xmlns:r="http://schemas.openxmlformats.org/officeDocument/2006/relationships" xmlns:p="http://schemas.openxmlformats.org/presentationml/2006/main">
+  <p:cSld>
+    <p:spTree>
+      <p:nvGrpSpPr>
+        <p:cNvPr id="1" name=""/>
+        <p:cNvGrpSpPr/>
+        <p:nvPr/>
+      </p:nvGrpSpPr>
+      <p:grpSpPr>
+        <a:xfrm>
+          <a:off x="0" y="0"/>
+          <a:ext cx="0" cy="0"/>
+          <a:chOff x="0" y="0"/>
+          <a:chExt cx="0" cy="0"/>
+        </a:xfrm>
+      </p:grpSpPr>
+      <p:sp>
+        <p:nvSpPr>
+          <p:cNvPr id="2" name="Title 1">
+            <a:extLst>
+              <a:ext uri="{FF2B5EF4-FFF2-40B4-BE49-F238E27FC236}">
+                <a16:creationId xmlns:a16="http://schemas.microsoft.com/office/drawing/2014/main" id="{039C3146-1CF1-98AD-5F6A-E695C6E6C1DC}"/>
+              </a:ext>
+            </a:extLst>
+          </p:cNvPr>
+          <p:cNvSpPr>
+            <a:spLocks noGrp="1"/>
+          </p:cNvSpPr>
+          <p:nvPr>
+            <p:ph type="title"/>
+          </p:nvPr>
+        </p:nvSpPr>
+        <p:spPr/>
+        <p:txBody>
+          <a:bodyPr/>
+          <a:lstStyle/>
+          <a:p>
+            <a:r>
+              <a:rPr lang="en-US" dirty="0"/>
+              <a:t>While Loop Syntax</a:t>
+            </a:r>
+          </a:p>
+        </p:txBody>
+      </p:sp>
+      <p:sp>
+        <p:nvSpPr>
+          <p:cNvPr id="3" name="Content Placeholder 2">
+            <a:extLst>
+              <a:ext uri="{FF2B5EF4-FFF2-40B4-BE49-F238E27FC236}">
+                <a16:creationId xmlns:a16="http://schemas.microsoft.com/office/drawing/2014/main" id="{10E74625-E97E-5119-55DE-DC1D5E3EFCCD}"/>
+              </a:ext>
+            </a:extLst>
+          </p:cNvPr>
+          <p:cNvSpPr>
+            <a:spLocks noGrp="1"/>
+          </p:cNvSpPr>
+          <p:nvPr>
+            <p:ph idx="1"/>
+          </p:nvPr>
+        </p:nvSpPr>
+        <p:spPr>
+          <a:xfrm>
+            <a:off x="675861" y="1853753"/>
+            <a:ext cx="5848506" cy="4199727"/>
+          </a:xfrm>
+        </p:spPr>
+        <p:txBody>
+          <a:bodyPr>
+            <a:normAutofit lnSpcReduction="10000"/>
+          </a:bodyPr>
+          <a:lstStyle/>
+          <a:p>
+            <a:r>
+              <a:rPr lang="en-US" dirty="0"/>
+              <a:t>The structure of a while loop is very similar to an “if”. </a:t>
+            </a:r>
+          </a:p>
+          <a:p>
+            <a:r>
+              <a:rPr lang="en-US" dirty="0"/>
+              <a:t>Indentation denotes the body of the loop. </a:t>
+            </a:r>
+          </a:p>
+          <a:p>
+            <a:r>
+              <a:rPr lang="en-US" dirty="0"/>
+              <a:t>While loops require that you manage the condition on your own. </a:t>
+            </a:r>
+          </a:p>
+          <a:p>
+            <a:r>
+              <a:rPr lang="en-US" dirty="0"/>
+              <a:t>Print statements that tell you which execution you’re in are helpful to debug. </a:t>
+            </a:r>
+          </a:p>
+          <a:p>
+            <a:r>
+              <a:rPr lang="en-US" dirty="0"/>
+              <a:t>Loops can be Infinite, or non-terminating, so make sure your condition makes sense.</a:t>
+            </a:r>
+          </a:p>
+          <a:p>
+            <a:pPr lvl="1"/>
+            <a:r>
+              <a:rPr lang="en-US" dirty="0"/>
+              <a:t>If there’s a counter, make sure it updates. </a:t>
+            </a:r>
+          </a:p>
+        </p:txBody>
+      </p:sp>
+      <p:pic>
+        <p:nvPicPr>
+          <p:cNvPr id="2050" name="Picture 2" descr="While loops in Python">
+            <a:extLst>
+              <a:ext uri="{FF2B5EF4-FFF2-40B4-BE49-F238E27FC236}">
+                <a16:creationId xmlns:a16="http://schemas.microsoft.com/office/drawing/2014/main" id="{6E360B07-B232-D8CC-1509-518AD223DC82}"/>
+              </a:ext>
+            </a:extLst>
+          </p:cNvPr>
+          <p:cNvPicPr>
+            <a:picLocks noChangeAspect="1" noChangeArrowheads="1"/>
+          </p:cNvPicPr>
+          <p:nvPr/>
+        </p:nvPicPr>
+        <p:blipFill rotWithShape="1">
+          <a:blip r:embed="rId2">
+            <a:extLst>
+              <a:ext uri="{28A0092B-C50C-407E-A947-70E740481C1C}">
+                <a14:useLocalDpi xmlns:a14="http://schemas.microsoft.com/office/drawing/2010/main" val="0"/>
+              </a:ext>
+            </a:extLst>
+          </a:blip>
+          <a:srcRect l="22857" t="6310" r="25598" b="16085"/>
+          <a:stretch/>
+        </p:blipFill>
+        <p:spPr bwMode="auto">
+          <a:xfrm>
+            <a:off x="6524367" y="2015732"/>
+            <a:ext cx="5498757" cy="4661826"/>
+          </a:xfrm>
+          <a:prstGeom prst="rect">
+            <a:avLst/>
+          </a:prstGeom>
+          <a:noFill/>
+          <a:extLst>
+            <a:ext uri="{909E8E84-426E-40DD-AFC4-6F175D3DCCD1}">
+              <a14:hiddenFill xmlns:a14="http://schemas.microsoft.com/office/drawing/2010/main">
+                <a:solidFill>
+                  <a:srgbClr val="FFFFFF"/>
+                </a:solidFill>
+              </a14:hiddenFill>
+            </a:ext>
+          </a:extLst>
+        </p:spPr>
+      </p:pic>
+    </p:spTree>
+    <p:extLst>
+      <p:ext uri="{BB962C8B-B14F-4D97-AF65-F5344CB8AC3E}">
+        <p14:creationId xmlns:p14="http://schemas.microsoft.com/office/powerpoint/2010/main" val="1927239041"/>
       </p:ext>
     </p:extLst>
   </p:cSld>
@@ -4576,7 +4904,7 @@
           <p:cNvPr id="2" name="Title 1">
             <a:extLst>
               <a:ext uri="{FF2B5EF4-FFF2-40B4-BE49-F238E27FC236}">
-                <a16:creationId xmlns:a16="http://schemas.microsoft.com/office/drawing/2014/main" id="{756FE1BC-98D4-6D8B-80E1-EAC29B91A690}"/>
+                <a16:creationId xmlns:a16="http://schemas.microsoft.com/office/drawing/2014/main" id="{F58CE888-1C11-99E9-5AA8-A093B8E7B25A}"/>
               </a:ext>
             </a:extLst>
           </p:cNvPr>
@@ -4601,7 +4929,7 @@
           <a:p>
             <a:r>
               <a:rPr lang="en-US" dirty="0"/>
-              <a:t>For Loop Syntax</a:t>
+              <a:t>For Loops</a:t>
             </a:r>
           </a:p>
         </p:txBody>
@@ -4611,7 +4939,7 @@
           <p:cNvPr id="3" name="Content Placeholder 2">
             <a:extLst>
               <a:ext uri="{FF2B5EF4-FFF2-40B4-BE49-F238E27FC236}">
-                <a16:creationId xmlns:a16="http://schemas.microsoft.com/office/drawing/2014/main" id="{E4134420-2286-DB4D-BA88-5020EDFCB9D0}"/>
+                <a16:creationId xmlns:a16="http://schemas.microsoft.com/office/drawing/2014/main" id="{88B09C3D-59DA-1BC2-8795-972E40FD3CD0}"/>
               </a:ext>
             </a:extLst>
           </p:cNvPr>
@@ -4624,8 +4952,8 @@
         </p:nvSpPr>
         <p:spPr>
           <a:xfrm>
-            <a:off x="0" y="1928192"/>
-            <a:ext cx="5861277" cy="4125290"/>
+            <a:off x="494270" y="2015734"/>
+            <a:ext cx="5226907" cy="4037747"/>
           </a:xfrm>
         </p:spPr>
         <p:txBody>
@@ -4636,72 +4964,36 @@
           <a:p>
             <a:r>
               <a:rPr lang="en-US" dirty="0"/>
-              <a:t>For loops “grab” items one by one from some data structure. </a:t>
+              <a:t>For loops are another common loop type, probably the most common in DS. </a:t>
+            </a:r>
+          </a:p>
+          <a:p>
+            <a:r>
+              <a:rPr lang="en-US" dirty="0"/>
+              <a:t>For loops are normally done to items in a data structure. </a:t>
             </a:r>
           </a:p>
           <a:p>
             <a:pPr lvl="1"/>
             <a:r>
               <a:rPr lang="en-US" dirty="0"/>
-              <a:t>We then do the body to the item that we grabbed. Repeat for all. </a:t>
-            </a:r>
-          </a:p>
-          <a:p>
-            <a:r>
-              <a:rPr lang="en-US" dirty="0"/>
-              <a:t>The data structure itself can be anything that is “</a:t>
-            </a:r>
-            <a:r>
-              <a:rPr lang="en-CA" b="1" i="0" dirty="0" err="1">
-                <a:solidFill>
-                  <a:srgbClr val="242424"/>
-                </a:solidFill>
-                <a:effectLst/>
-                <a:latin typeface="sohne"/>
-              </a:rPr>
-              <a:t>Iterable</a:t>
-            </a:r>
-            <a:r>
-              <a:rPr lang="en-US" dirty="0"/>
-              <a:t>”</a:t>
-            </a:r>
-          </a:p>
-          <a:p>
-            <a:pPr lvl="1"/>
-            <a:r>
-              <a:rPr lang="en-US" dirty="0"/>
-              <a:t>I.e. capable of returning its items one by one. </a:t>
-            </a:r>
-          </a:p>
-          <a:p>
-            <a:pPr lvl="1"/>
-            <a:r>
-              <a:rPr lang="en-US" dirty="0"/>
-              <a:t>Lists, strings, and tuples are all </a:t>
-            </a:r>
-            <a:r>
-              <a:rPr lang="en-US" dirty="0" err="1"/>
-              <a:t>iterable</a:t>
-            </a:r>
-            <a:r>
-              <a:rPr lang="en-US" dirty="0"/>
-              <a:t>. </a:t>
-            </a:r>
-          </a:p>
-          <a:p>
-            <a:r>
-              <a:rPr lang="en-US" dirty="0"/>
-              <a:t>Slightly different from other languages. </a:t>
+              <a:t>“For each item in this list, do this stuff”. </a:t>
+            </a:r>
+          </a:p>
+          <a:p>
+            <a:r>
+              <a:rPr lang="en-US" dirty="0"/>
+              <a:t>Since we will end up dealing mostly with big stacks of data, this makes sense for us. </a:t>
             </a:r>
           </a:p>
         </p:txBody>
       </p:sp>
       <p:pic>
         <p:nvPicPr>
-          <p:cNvPr id="4098" name="Picture 2" descr="Python for Loops: A Kid-Friendly Guide">
+          <p:cNvPr id="3074" name="Picture 2" descr="Python For Loops - GeeksforGeeks">
             <a:extLst>
               <a:ext uri="{FF2B5EF4-FFF2-40B4-BE49-F238E27FC236}">
-                <a16:creationId xmlns:a16="http://schemas.microsoft.com/office/drawing/2014/main" id="{7D6B5FBA-5EC4-C01E-DF8E-4B4E8330149B}"/>
+                <a16:creationId xmlns:a16="http://schemas.microsoft.com/office/drawing/2014/main" id="{DA758AE6-514B-5633-01D8-A9876B279BCA}"/>
               </a:ext>
             </a:extLst>
           </p:cNvPr>
@@ -4710,7 +5002,7 @@
           </p:cNvPicPr>
           <p:nvPr/>
         </p:nvPicPr>
-        <p:blipFill rotWithShape="1">
+        <p:blipFill>
           <a:blip r:embed="rId2">
             <a:extLst>
               <a:ext uri="{28A0092B-C50C-407E-A947-70E740481C1C}">
@@ -4718,13 +5010,14 @@
               </a:ext>
             </a:extLst>
           </a:blip>
-          <a:srcRect l="3841" t="10545" r="3976" b="7740"/>
-          <a:stretch/>
+          <a:stretch>
+            <a:fillRect/>
+          </a:stretch>
         </p:blipFill>
         <p:spPr bwMode="auto">
           <a:xfrm>
-            <a:off x="5861278" y="1853754"/>
-            <a:ext cx="6330722" cy="2539342"/>
+            <a:off x="6094411" y="1901395"/>
+            <a:ext cx="6110568" cy="3757999"/>
           </a:xfrm>
           <a:prstGeom prst="rect">
             <a:avLst/>
@@ -4744,7 +5037,7 @@
     </p:spTree>
     <p:extLst>
       <p:ext uri="{BB962C8B-B14F-4D97-AF65-F5344CB8AC3E}">
-        <p14:creationId xmlns:p14="http://schemas.microsoft.com/office/powerpoint/2010/main" val="3907463866"/>
+        <p14:creationId xmlns:p14="http://schemas.microsoft.com/office/powerpoint/2010/main" val="1192004791"/>
       </p:ext>
     </p:extLst>
   </p:cSld>
@@ -4795,72 +5088,47 @@
           <a:chExt cx="0" cy="0"/>
         </a:xfrm>
       </p:grpSpPr>
-      <p:sp useBgFill="1">
-        <p:nvSpPr>
-          <p:cNvPr id="9" name="Rectangle 8">
+      <p:sp>
+        <p:nvSpPr>
+          <p:cNvPr id="2" name="Title 1">
             <a:extLst>
               <a:ext uri="{FF2B5EF4-FFF2-40B4-BE49-F238E27FC236}">
-                <a16:creationId xmlns:a16="http://schemas.microsoft.com/office/drawing/2014/main" id="{1C2A4B30-77D7-4FFB-8B53-A88BD68CABD2}"/>
-              </a:ext>
-              <a:ext uri="{C183D7F6-B498-43B3-948B-1728B52AA6E4}">
-                <adec:decorative xmlns:adec="http://schemas.microsoft.com/office/drawing/2017/decorative" val="1"/>
+                <a16:creationId xmlns:a16="http://schemas.microsoft.com/office/drawing/2014/main" id="{756FE1BC-98D4-6D8B-80E1-EAC29B91A690}"/>
               </a:ext>
             </a:extLst>
           </p:cNvPr>
           <p:cNvSpPr>
-            <a:spLocks noGrp="1" noRot="1" noChangeAspect="1" noMove="1" noResize="1" noEditPoints="1" noAdjustHandles="1" noChangeArrowheads="1" noChangeShapeType="1" noTextEdit="1"/>
-          </p:cNvSpPr>
-          <p:nvPr>
-            <p:extLst>
-              <p:ext uri="{386F3935-93C4-4BCD-93E2-E3B085C9AB24}">
-                <p16:designElem xmlns:p16="http://schemas.microsoft.com/office/powerpoint/2015/main" val="1"/>
-              </p:ext>
-            </p:extLst>
+            <a:spLocks noGrp="1"/>
+          </p:cNvSpPr>
+          <p:nvPr>
+            <p:ph type="title"/>
           </p:nvPr>
         </p:nvSpPr>
         <p:spPr>
           <a:xfrm>
-            <a:off x="2" y="0"/>
-            <a:ext cx="12191695" cy="6858000"/>
-          </a:xfrm>
-          <a:prstGeom prst="rect">
-            <a:avLst/>
-          </a:prstGeom>
-          <a:ln>
-            <a:noFill/>
-          </a:ln>
-        </p:spPr>
-        <p:style>
-          <a:lnRef idx="2">
-            <a:schemeClr val="accent1">
-              <a:shade val="50000"/>
-            </a:schemeClr>
-          </a:lnRef>
-          <a:fillRef idx="1">
-            <a:schemeClr val="accent1"/>
-          </a:fillRef>
-          <a:effectRef idx="0">
-            <a:schemeClr val="accent1"/>
-          </a:effectRef>
-          <a:fontRef idx="minor">
-            <a:schemeClr val="lt1"/>
-          </a:fontRef>
-        </p:style>
-        <p:txBody>
-          <a:bodyPr rtlCol="0" anchor="ctr"/>
-          <a:lstStyle/>
-          <a:p>
-            <a:pPr algn="ctr"/>
-            <a:endParaRPr lang="en-US"/>
-          </a:p>
-        </p:txBody>
-      </p:sp>
-      <p:sp>
-        <p:nvSpPr>
-          <p:cNvPr id="2" name="Title 1">
+            <a:off x="1451579" y="804519"/>
+            <a:ext cx="9603275" cy="1049235"/>
+          </a:xfrm>
+        </p:spPr>
+        <p:txBody>
+          <a:bodyPr>
+            <a:normAutofit/>
+          </a:bodyPr>
+          <a:lstStyle/>
+          <a:p>
+            <a:r>
+              <a:rPr lang="en-US" dirty="0"/>
+              <a:t>For Loop Syntax</a:t>
+            </a:r>
+          </a:p>
+        </p:txBody>
+      </p:sp>
+      <p:sp>
+        <p:nvSpPr>
+          <p:cNvPr id="3" name="Content Placeholder 2">
             <a:extLst>
               <a:ext uri="{FF2B5EF4-FFF2-40B4-BE49-F238E27FC236}">
-                <a16:creationId xmlns:a16="http://schemas.microsoft.com/office/drawing/2014/main" id="{B3E9A11F-5011-F20A-330E-8CABD7BF5FBF}"/>
+                <a16:creationId xmlns:a16="http://schemas.microsoft.com/office/drawing/2014/main" id="{E4134420-2286-DB4D-BA88-5020EDFCB9D0}"/>
               </a:ext>
             </a:extLst>
           </p:cNvPr>
@@ -4868,13 +5136,13 @@
             <a:spLocks noGrp="1"/>
           </p:cNvSpPr>
           <p:nvPr>
-            <p:ph type="title"/>
+            <p:ph idx="1"/>
           </p:nvPr>
         </p:nvSpPr>
         <p:spPr>
           <a:xfrm>
-            <a:off x="1451580" y="804519"/>
-            <a:ext cx="4325112" cy="1049235"/>
+            <a:off x="-1" y="1928192"/>
+            <a:ext cx="6406411" cy="4125290"/>
           </a:xfrm>
         </p:spPr>
         <p:txBody>
@@ -4884,249 +5152,116 @@
           <a:lstStyle/>
           <a:p>
             <a:r>
-              <a:rPr lang="en-US" sz="2800"/>
-              <a:t>In Code</a:t>
-            </a:r>
-          </a:p>
-        </p:txBody>
-      </p:sp>
-      <p:cxnSp>
-        <p:nvCxnSpPr>
-          <p:cNvPr id="11" name="Straight Connector 10">
+              <a:rPr lang="en-US" dirty="0"/>
+              <a:t>For loops “grab” items one by one from some data structure. </a:t>
+            </a:r>
+          </a:p>
+          <a:p>
+            <a:pPr lvl="1"/>
+            <a:r>
+              <a:rPr lang="en-US" dirty="0"/>
+              <a:t>We then do the body to the item that we grabbed. Repeat. </a:t>
+            </a:r>
+          </a:p>
+          <a:p>
+            <a:r>
+              <a:rPr lang="en-US" dirty="0"/>
+              <a:t>The data structure itself can be anything that is “</a:t>
+            </a:r>
+            <a:r>
+              <a:rPr lang="en-CA" b="1" i="0" dirty="0" err="1">
+                <a:solidFill>
+                  <a:srgbClr val="242424"/>
+                </a:solidFill>
+                <a:effectLst/>
+                <a:latin typeface="sohne"/>
+              </a:rPr>
+              <a:t>Iterable</a:t>
+            </a:r>
+            <a:r>
+              <a:rPr lang="en-US" dirty="0"/>
+              <a:t>”</a:t>
+            </a:r>
+          </a:p>
+          <a:p>
+            <a:pPr lvl="1"/>
+            <a:r>
+              <a:rPr lang="en-US" dirty="0"/>
+              <a:t>I.e. capable of returning its items one by one. </a:t>
+            </a:r>
+          </a:p>
+          <a:p>
+            <a:pPr lvl="1"/>
+            <a:r>
+              <a:rPr lang="en-US" dirty="0"/>
+              <a:t>Lists, strings, and tuples are all </a:t>
+            </a:r>
+            <a:r>
+              <a:rPr lang="en-US" dirty="0" err="1"/>
+              <a:t>iterable</a:t>
+            </a:r>
+            <a:r>
+              <a:rPr lang="en-US" dirty="0"/>
+              <a:t>. Many data structures in Python are, making them largely interchangeable. </a:t>
+            </a:r>
+          </a:p>
+          <a:p>
+            <a:r>
+              <a:rPr lang="en-US" dirty="0"/>
+              <a:t>Slightly different syntax from other languages. </a:t>
+            </a:r>
+          </a:p>
+        </p:txBody>
+      </p:sp>
+      <p:pic>
+        <p:nvPicPr>
+          <p:cNvPr id="4098" name="Picture 2" descr="Python for Loops: A Kid-Friendly Guide">
             <a:extLst>
               <a:ext uri="{FF2B5EF4-FFF2-40B4-BE49-F238E27FC236}">
-                <a16:creationId xmlns:a16="http://schemas.microsoft.com/office/drawing/2014/main" id="{373AAE2E-5D6B-4952-A4BB-546C49F8DE4B}"/>
-              </a:ext>
-              <a:ext uri="{C183D7F6-B498-43B3-948B-1728B52AA6E4}">
-                <adec:decorative xmlns:adec="http://schemas.microsoft.com/office/drawing/2017/decorative" val="1"/>
-              </a:ext>
-            </a:extLst>
-          </p:cNvPr>
-          <p:cNvCxnSpPr>
-            <a:cxnSpLocks noGrp="1" noRot="1" noChangeAspect="1" noMove="1" noResize="1" noEditPoints="1" noAdjustHandles="1" noChangeArrowheads="1" noChangeShapeType="1"/>
-          </p:cNvCxnSpPr>
-          <p:nvPr>
-            <p:extLst>
-              <p:ext uri="{386F3935-93C4-4BCD-93E2-E3B085C9AB24}">
-                <p16:designElem xmlns:p16="http://schemas.microsoft.com/office/powerpoint/2015/main" val="1"/>
-              </p:ext>
-            </p:extLst>
-          </p:nvPr>
-        </p:nvCxnSpPr>
-        <p:spPr>
-          <a:xfrm>
-            <a:off x="1451579" y="1853754"/>
-            <a:ext cx="4325112" cy="0"/>
-          </a:xfrm>
-          <a:prstGeom prst="line">
-            <a:avLst/>
-          </a:prstGeom>
-          <a:ln w="31750"/>
-        </p:spPr>
-        <p:style>
-          <a:lnRef idx="3">
-            <a:schemeClr val="accent1"/>
-          </a:lnRef>
-          <a:fillRef idx="0">
-            <a:schemeClr val="accent1"/>
-          </a:fillRef>
-          <a:effectRef idx="2">
-            <a:schemeClr val="accent1"/>
-          </a:effectRef>
-          <a:fontRef idx="minor">
-            <a:schemeClr val="tx1"/>
-          </a:fontRef>
-        </p:style>
-      </p:cxnSp>
-      <p:sp>
-        <p:nvSpPr>
-          <p:cNvPr id="13" name="Rectangle 12">
-            <a:extLst>
-              <a:ext uri="{FF2B5EF4-FFF2-40B4-BE49-F238E27FC236}">
-                <a16:creationId xmlns:a16="http://schemas.microsoft.com/office/drawing/2014/main" id="{01E4D783-AD45-49E7-B6C7-BBACB8290688}"/>
-              </a:ext>
-              <a:ext uri="{C183D7F6-B498-43B3-948B-1728B52AA6E4}">
-                <adec:decorative xmlns:adec="http://schemas.microsoft.com/office/drawing/2017/decorative" val="1"/>
-              </a:ext>
-            </a:extLst>
-          </p:cNvPr>
-          <p:cNvSpPr>
-            <a:spLocks noGrp="1" noRot="1" noChangeAspect="1" noMove="1" noResize="1" noEditPoints="1" noAdjustHandles="1" noChangeArrowheads="1" noChangeShapeType="1" noTextEdit="1"/>
-          </p:cNvSpPr>
-          <p:nvPr>
-            <p:extLst>
-              <p:ext uri="{386F3935-93C4-4BCD-93E2-E3B085C9AB24}">
-                <p16:designElem xmlns:p16="http://schemas.microsoft.com/office/powerpoint/2015/main" val="1"/>
-              </p:ext>
-            </p:extLst>
-          </p:nvPr>
-        </p:nvSpPr>
-        <p:spPr>
-          <a:xfrm>
-            <a:off x="0" y="2019476"/>
-            <a:ext cx="12192000" cy="4838524"/>
-          </a:xfrm>
-          <a:prstGeom prst="rect">
-            <a:avLst/>
-          </a:prstGeom>
-          <a:gradFill flip="none" rotWithShape="1">
-            <a:gsLst>
-              <a:gs pos="0">
-                <a:schemeClr val="bg2">
-                  <a:alpha val="0"/>
-                </a:schemeClr>
-              </a:gs>
-              <a:gs pos="100000">
-                <a:schemeClr val="bg2"/>
-              </a:gs>
-            </a:gsLst>
-            <a:lin ang="5400000" scaled="0"/>
-            <a:tileRect/>
-          </a:gradFill>
-          <a:ln>
-            <a:noFill/>
-          </a:ln>
-        </p:spPr>
-        <p:style>
-          <a:lnRef idx="2">
-            <a:schemeClr val="accent1">
-              <a:shade val="50000"/>
-            </a:schemeClr>
-          </a:lnRef>
-          <a:fillRef idx="1">
-            <a:schemeClr val="accent1"/>
-          </a:fillRef>
-          <a:effectRef idx="0">
-            <a:schemeClr val="accent1"/>
-          </a:effectRef>
-          <a:fontRef idx="minor">
-            <a:schemeClr val="lt1"/>
-          </a:fontRef>
-        </p:style>
-        <p:txBody>
-          <a:bodyPr rtlCol="0" anchor="ctr"/>
-          <a:lstStyle/>
-          <a:p>
-            <a:pPr lvl="0" algn="ctr"/>
-            <a:endParaRPr lang="en-US"/>
-          </a:p>
-        </p:txBody>
-      </p:sp>
-      <p:sp>
-        <p:nvSpPr>
-          <p:cNvPr id="3" name="Content Placeholder 2">
-            <a:extLst>
-              <a:ext uri="{FF2B5EF4-FFF2-40B4-BE49-F238E27FC236}">
-                <a16:creationId xmlns:a16="http://schemas.microsoft.com/office/drawing/2014/main" id="{CEE0BF71-4DB0-3A89-14A1-57876CF6E4AC}"/>
-              </a:ext>
-            </a:extLst>
-          </p:cNvPr>
-          <p:cNvSpPr>
-            <a:spLocks noGrp="1"/>
-          </p:cNvSpPr>
-          <p:nvPr>
-            <p:ph idx="1"/>
-          </p:nvPr>
-        </p:nvSpPr>
-        <p:spPr>
-          <a:xfrm>
-            <a:off x="337931" y="1853754"/>
-            <a:ext cx="5438762" cy="4781815"/>
-          </a:xfrm>
-        </p:spPr>
-        <p:txBody>
-          <a:bodyPr>
-            <a:normAutofit/>
-          </a:bodyPr>
-          <a:lstStyle/>
-          <a:p>
-            <a:r>
-              <a:rPr lang="en-US" dirty="0"/>
-              <a:t>Here’s an example in code. </a:t>
-            </a:r>
-          </a:p>
-          <a:p>
-            <a:r>
-              <a:rPr lang="en-US" dirty="0"/>
-              <a:t>Each for loop declaration specifies:</a:t>
-            </a:r>
-          </a:p>
-          <a:p>
-            <a:pPr lvl="1"/>
-            <a:r>
-              <a:rPr lang="en-US" dirty="0"/>
-              <a:t>The data structure we’re looping over (after the “in”). </a:t>
-            </a:r>
-          </a:p>
-          <a:p>
-            <a:pPr lvl="1"/>
-            <a:r>
-              <a:rPr lang="en-US" dirty="0"/>
-              <a:t>The name of the specific object we grab each time (before the ”in”). </a:t>
-            </a:r>
-          </a:p>
-          <a:p>
-            <a:r>
-              <a:rPr lang="en-US" dirty="0"/>
-              <a:t>We do the thing in the body. </a:t>
-            </a:r>
-          </a:p>
-          <a:p>
-            <a:r>
-              <a:rPr lang="en-US" dirty="0"/>
-              <a:t>We don’t need to manually update a counter (unless we need it for something else). </a:t>
-            </a:r>
-          </a:p>
-          <a:p>
-            <a:pPr lvl="1"/>
-            <a:r>
-              <a:rPr lang="en-US" dirty="0"/>
-              <a:t>The loop manages progress automatically. </a:t>
-            </a:r>
-          </a:p>
-          <a:p>
-            <a:pPr lvl="1"/>
-            <a:r>
-              <a:rPr lang="en-US" dirty="0"/>
-              <a:t>One less thing that can fail. </a:t>
-            </a:r>
-          </a:p>
-        </p:txBody>
-      </p:sp>
-      <p:pic>
-        <p:nvPicPr>
-          <p:cNvPr id="4" name="Picture 3">
-            <a:extLst>
-              <a:ext uri="{FF2B5EF4-FFF2-40B4-BE49-F238E27FC236}">
-                <a16:creationId xmlns:a16="http://schemas.microsoft.com/office/drawing/2014/main" id="{8E944951-564D-1CD8-1BC6-64361FA6BA72}"/>
+                <a16:creationId xmlns:a16="http://schemas.microsoft.com/office/drawing/2014/main" id="{7D6B5FBA-5EC4-C01E-DF8E-4B4E8330149B}"/>
               </a:ext>
             </a:extLst>
           </p:cNvPr>
           <p:cNvPicPr>
-            <a:picLocks noChangeAspect="1"/>
+            <a:picLocks noChangeAspect="1" noChangeArrowheads="1"/>
           </p:cNvPicPr>
           <p:nvPr/>
         </p:nvPicPr>
-        <p:blipFill>
-          <a:blip r:embed="rId2"/>
-          <a:stretch>
-            <a:fillRect/>
-          </a:stretch>
+        <p:blipFill rotWithShape="1">
+          <a:blip r:embed="rId2">
+            <a:extLst>
+              <a:ext uri="{28A0092B-C50C-407E-A947-70E740481C1C}">
+                <a14:useLocalDpi xmlns:a14="http://schemas.microsoft.com/office/drawing/2010/main" val="0"/>
+              </a:ext>
+            </a:extLst>
+          </a:blip>
+          <a:srcRect l="3841" t="10545" r="3976" b="7740"/>
+          <a:stretch/>
         </p:blipFill>
-        <p:spPr>
-          <a:xfrm>
-            <a:off x="6437150" y="10119"/>
-            <a:ext cx="5764146" cy="6625456"/>
+        <p:spPr bwMode="auto">
+          <a:xfrm>
+            <a:off x="6406411" y="1853754"/>
+            <a:ext cx="5785588" cy="2320681"/>
           </a:xfrm>
           <a:prstGeom prst="rect">
             <a:avLst/>
           </a:prstGeom>
+          <a:noFill/>
+          <a:extLst>
+            <a:ext uri="{909E8E84-426E-40DD-AFC4-6F175D3DCCD1}">
+              <a14:hiddenFill xmlns:a14="http://schemas.microsoft.com/office/drawing/2010/main">
+                <a:solidFill>
+                  <a:srgbClr val="FFFFFF"/>
+                </a:solidFill>
+              </a14:hiddenFill>
+            </a:ext>
+          </a:extLst>
         </p:spPr>
       </p:pic>
     </p:spTree>
     <p:extLst>
       <p:ext uri="{BB962C8B-B14F-4D97-AF65-F5344CB8AC3E}">
-        <p14:creationId xmlns:p14="http://schemas.microsoft.com/office/powerpoint/2010/main" val="2642633474"/>
+        <p14:creationId xmlns:p14="http://schemas.microsoft.com/office/powerpoint/2010/main" val="3907463866"/>
       </p:ext>
     </p:extLst>
   </p:cSld>
@@ -5137,150 +5272,6 @@
 </file>
 
 <file path=ppt/slides/slide8.xml><?xml version="1.0" encoding="utf-8"?>
-<p:sld xmlns:a="http://schemas.openxmlformats.org/drawingml/2006/main" xmlns:r="http://schemas.openxmlformats.org/officeDocument/2006/relationships" xmlns:p="http://schemas.openxmlformats.org/presentationml/2006/main">
-  <p:cSld>
-    <p:spTree>
-      <p:nvGrpSpPr>
-        <p:cNvPr id="1" name=""/>
-        <p:cNvGrpSpPr/>
-        <p:nvPr/>
-      </p:nvGrpSpPr>
-      <p:grpSpPr>
-        <a:xfrm>
-          <a:off x="0" y="0"/>
-          <a:ext cx="0" cy="0"/>
-          <a:chOff x="0" y="0"/>
-          <a:chExt cx="0" cy="0"/>
-        </a:xfrm>
-      </p:grpSpPr>
-      <p:sp>
-        <p:nvSpPr>
-          <p:cNvPr id="2" name="Title 1">
-            <a:extLst>
-              <a:ext uri="{FF2B5EF4-FFF2-40B4-BE49-F238E27FC236}">
-                <a16:creationId xmlns:a16="http://schemas.microsoft.com/office/drawing/2014/main" id="{96596181-64C3-1A29-D589-312656EAC5A5}"/>
-              </a:ext>
-            </a:extLst>
-          </p:cNvPr>
-          <p:cNvSpPr>
-            <a:spLocks noGrp="1"/>
-          </p:cNvSpPr>
-          <p:nvPr>
-            <p:ph type="title"/>
-          </p:nvPr>
-        </p:nvSpPr>
-        <p:spPr/>
-        <p:txBody>
-          <a:bodyPr/>
-          <a:lstStyle/>
-          <a:p>
-            <a:r>
-              <a:rPr lang="en-US" dirty="0"/>
-              <a:t>Loop Concerns</a:t>
-            </a:r>
-          </a:p>
-        </p:txBody>
-      </p:sp>
-      <p:sp>
-        <p:nvSpPr>
-          <p:cNvPr id="3" name="Content Placeholder 2">
-            <a:extLst>
-              <a:ext uri="{FF2B5EF4-FFF2-40B4-BE49-F238E27FC236}">
-                <a16:creationId xmlns:a16="http://schemas.microsoft.com/office/drawing/2014/main" id="{A6ED542A-D6DD-DC93-4D35-985AC3961276}"/>
-              </a:ext>
-            </a:extLst>
-          </p:cNvPr>
-          <p:cNvSpPr>
-            <a:spLocks noGrp="1"/>
-          </p:cNvSpPr>
-          <p:nvPr>
-            <p:ph idx="1"/>
-          </p:nvPr>
-        </p:nvSpPr>
-        <p:spPr>
-          <a:xfrm>
-            <a:off x="1451579" y="1853754"/>
-            <a:ext cx="9603275" cy="4199727"/>
-          </a:xfrm>
-        </p:spPr>
-        <p:txBody>
-          <a:bodyPr/>
-          <a:lstStyle/>
-          <a:p>
-            <a:r>
-              <a:rPr lang="en-US" dirty="0"/>
-              <a:t>Loops can also introduce errors to our code pretty easily. </a:t>
-            </a:r>
-          </a:p>
-          <a:p>
-            <a:r>
-              <a:rPr lang="en-US" dirty="0"/>
-              <a:t>Some common concerns that we should think to test for are:</a:t>
-            </a:r>
-          </a:p>
-          <a:p>
-            <a:pPr lvl="1"/>
-            <a:r>
-              <a:rPr lang="en-US" dirty="0"/>
-              <a:t>Correct number of executions - +/- 1, first and last items captured, infinite execution. </a:t>
-            </a:r>
-          </a:p>
-          <a:p>
-            <a:r>
-              <a:rPr lang="en-US" dirty="0"/>
-              <a:t>Print statements are the easy way to debug. </a:t>
-            </a:r>
-          </a:p>
-          <a:p>
-            <a:pPr lvl="1"/>
-            <a:r>
-              <a:rPr lang="en-US" dirty="0"/>
-              <a:t>Print loop number, key values, other things that matter. </a:t>
-            </a:r>
-          </a:p>
-          <a:p>
-            <a:pPr lvl="1"/>
-            <a:r>
-              <a:rPr lang="en-US" dirty="0"/>
-              <a:t>Can be every loop, every X loops, or some critical values like first/last. </a:t>
-            </a:r>
-          </a:p>
-          <a:p>
-            <a:r>
-              <a:rPr lang="en-US" dirty="0"/>
-              <a:t>Nested loops especially can explode in run time. </a:t>
-            </a:r>
-          </a:p>
-          <a:p>
-            <a:pPr lvl="1"/>
-            <a:r>
-              <a:rPr lang="en-US" dirty="0"/>
-              <a:t>One of the few things we really need to consider for efficiency. </a:t>
-            </a:r>
-          </a:p>
-          <a:p>
-            <a:pPr lvl="1"/>
-            <a:r>
-              <a:rPr lang="en-US" dirty="0"/>
-              <a:t>Particularly when we have large machine learning datasets. </a:t>
-            </a:r>
-          </a:p>
-        </p:txBody>
-      </p:sp>
-    </p:spTree>
-    <p:extLst>
-      <p:ext uri="{BB962C8B-B14F-4D97-AF65-F5344CB8AC3E}">
-        <p14:creationId xmlns:p14="http://schemas.microsoft.com/office/powerpoint/2010/main" val="2179936599"/>
-      </p:ext>
-    </p:extLst>
-  </p:cSld>
-  <p:clrMapOvr>
-    <a:masterClrMapping/>
-  </p:clrMapOvr>
-</p:sld>
-</file>
-
-<file path=ppt/slides/slide9.xml><?xml version="1.0" encoding="utf-8"?>
 <p:sld xmlns:a="http://schemas.openxmlformats.org/drawingml/2006/main" xmlns:r="http://schemas.openxmlformats.org/officeDocument/2006/relationships" xmlns:p="http://schemas.openxmlformats.org/presentationml/2006/main">
   <p:cSld>
     <p:bg>
@@ -5321,12 +5312,72 @@
           <a:chExt cx="0" cy="0"/>
         </a:xfrm>
       </p:grpSpPr>
+      <p:sp useBgFill="1">
+        <p:nvSpPr>
+          <p:cNvPr id="9" name="Rectangle 8">
+            <a:extLst>
+              <a:ext uri="{FF2B5EF4-FFF2-40B4-BE49-F238E27FC236}">
+                <a16:creationId xmlns:a16="http://schemas.microsoft.com/office/drawing/2014/main" id="{1C2A4B30-77D7-4FFB-8B53-A88BD68CABD2}"/>
+              </a:ext>
+              <a:ext uri="{C183D7F6-B498-43B3-948B-1728B52AA6E4}">
+                <adec:decorative xmlns:adec="http://schemas.microsoft.com/office/drawing/2017/decorative" val="1"/>
+              </a:ext>
+            </a:extLst>
+          </p:cNvPr>
+          <p:cNvSpPr>
+            <a:spLocks noGrp="1" noRot="1" noChangeAspect="1" noMove="1" noResize="1" noEditPoints="1" noAdjustHandles="1" noChangeArrowheads="1" noChangeShapeType="1" noTextEdit="1"/>
+          </p:cNvSpPr>
+          <p:nvPr>
+            <p:extLst>
+              <p:ext uri="{386F3935-93C4-4BCD-93E2-E3B085C9AB24}">
+                <p16:designElem xmlns:p16="http://schemas.microsoft.com/office/powerpoint/2015/main" val="1"/>
+              </p:ext>
+            </p:extLst>
+          </p:nvPr>
+        </p:nvSpPr>
+        <p:spPr>
+          <a:xfrm>
+            <a:off x="2" y="0"/>
+            <a:ext cx="12191695" cy="6858000"/>
+          </a:xfrm>
+          <a:prstGeom prst="rect">
+            <a:avLst/>
+          </a:prstGeom>
+          <a:ln>
+            <a:noFill/>
+          </a:ln>
+        </p:spPr>
+        <p:style>
+          <a:lnRef idx="2">
+            <a:schemeClr val="accent1">
+              <a:shade val="50000"/>
+            </a:schemeClr>
+          </a:lnRef>
+          <a:fillRef idx="1">
+            <a:schemeClr val="accent1"/>
+          </a:fillRef>
+          <a:effectRef idx="0">
+            <a:schemeClr val="accent1"/>
+          </a:effectRef>
+          <a:fontRef idx="minor">
+            <a:schemeClr val="lt1"/>
+          </a:fontRef>
+        </p:style>
+        <p:txBody>
+          <a:bodyPr rtlCol="0" anchor="ctr"/>
+          <a:lstStyle/>
+          <a:p>
+            <a:pPr algn="ctr"/>
+            <a:endParaRPr lang="en-US"/>
+          </a:p>
+        </p:txBody>
+      </p:sp>
       <p:sp>
         <p:nvSpPr>
           <p:cNvPr id="2" name="Title 1">
             <a:extLst>
               <a:ext uri="{FF2B5EF4-FFF2-40B4-BE49-F238E27FC236}">
-                <a16:creationId xmlns:a16="http://schemas.microsoft.com/office/drawing/2014/main" id="{85FAAAFC-1088-0106-A491-0AA587097E53}"/>
+                <a16:creationId xmlns:a16="http://schemas.microsoft.com/office/drawing/2014/main" id="{B3E9A11F-5011-F20A-330E-8CABD7BF5FBF}"/>
               </a:ext>
             </a:extLst>
           </p:cNvPr>
@@ -5339,8 +5390,8 @@
         </p:nvSpPr>
         <p:spPr>
           <a:xfrm>
-            <a:off x="1451579" y="804519"/>
-            <a:ext cx="9603275" cy="1049235"/>
+            <a:off x="1451580" y="804519"/>
+            <a:ext cx="4325112" cy="1049235"/>
           </a:xfrm>
         </p:spPr>
         <p:txBody>
@@ -5350,9 +5401,131 @@
           <a:lstStyle/>
           <a:p>
             <a:r>
-              <a:rPr lang="en-US" dirty="0"/>
-              <a:t>O-Notation</a:t>
-            </a:r>
+              <a:rPr lang="en-US" sz="2800"/>
+              <a:t>In Code</a:t>
+            </a:r>
+          </a:p>
+        </p:txBody>
+      </p:sp>
+      <p:cxnSp>
+        <p:nvCxnSpPr>
+          <p:cNvPr id="11" name="Straight Connector 10">
+            <a:extLst>
+              <a:ext uri="{FF2B5EF4-FFF2-40B4-BE49-F238E27FC236}">
+                <a16:creationId xmlns:a16="http://schemas.microsoft.com/office/drawing/2014/main" id="{373AAE2E-5D6B-4952-A4BB-546C49F8DE4B}"/>
+              </a:ext>
+              <a:ext uri="{C183D7F6-B498-43B3-948B-1728B52AA6E4}">
+                <adec:decorative xmlns:adec="http://schemas.microsoft.com/office/drawing/2017/decorative" val="1"/>
+              </a:ext>
+            </a:extLst>
+          </p:cNvPr>
+          <p:cNvCxnSpPr>
+            <a:cxnSpLocks noGrp="1" noRot="1" noChangeAspect="1" noMove="1" noResize="1" noEditPoints="1" noAdjustHandles="1" noChangeArrowheads="1" noChangeShapeType="1"/>
+          </p:cNvCxnSpPr>
+          <p:nvPr>
+            <p:extLst>
+              <p:ext uri="{386F3935-93C4-4BCD-93E2-E3B085C9AB24}">
+                <p16:designElem xmlns:p16="http://schemas.microsoft.com/office/powerpoint/2015/main" val="1"/>
+              </p:ext>
+            </p:extLst>
+          </p:nvPr>
+        </p:nvCxnSpPr>
+        <p:spPr>
+          <a:xfrm>
+            <a:off x="1451579" y="1853754"/>
+            <a:ext cx="4325112" cy="0"/>
+          </a:xfrm>
+          <a:prstGeom prst="line">
+            <a:avLst/>
+          </a:prstGeom>
+          <a:ln w="31750"/>
+        </p:spPr>
+        <p:style>
+          <a:lnRef idx="3">
+            <a:schemeClr val="accent1"/>
+          </a:lnRef>
+          <a:fillRef idx="0">
+            <a:schemeClr val="accent1"/>
+          </a:fillRef>
+          <a:effectRef idx="2">
+            <a:schemeClr val="accent1"/>
+          </a:effectRef>
+          <a:fontRef idx="minor">
+            <a:schemeClr val="tx1"/>
+          </a:fontRef>
+        </p:style>
+      </p:cxnSp>
+      <p:sp>
+        <p:nvSpPr>
+          <p:cNvPr id="13" name="Rectangle 12">
+            <a:extLst>
+              <a:ext uri="{FF2B5EF4-FFF2-40B4-BE49-F238E27FC236}">
+                <a16:creationId xmlns:a16="http://schemas.microsoft.com/office/drawing/2014/main" id="{01E4D783-AD45-49E7-B6C7-BBACB8290688}"/>
+              </a:ext>
+              <a:ext uri="{C183D7F6-B498-43B3-948B-1728B52AA6E4}">
+                <adec:decorative xmlns:adec="http://schemas.microsoft.com/office/drawing/2017/decorative" val="1"/>
+              </a:ext>
+            </a:extLst>
+          </p:cNvPr>
+          <p:cNvSpPr>
+            <a:spLocks noGrp="1" noRot="1" noChangeAspect="1" noMove="1" noResize="1" noEditPoints="1" noAdjustHandles="1" noChangeArrowheads="1" noChangeShapeType="1" noTextEdit="1"/>
+          </p:cNvSpPr>
+          <p:nvPr>
+            <p:extLst>
+              <p:ext uri="{386F3935-93C4-4BCD-93E2-E3B085C9AB24}">
+                <p16:designElem xmlns:p16="http://schemas.microsoft.com/office/powerpoint/2015/main" val="1"/>
+              </p:ext>
+            </p:extLst>
+          </p:nvPr>
+        </p:nvSpPr>
+        <p:spPr>
+          <a:xfrm>
+            <a:off x="0" y="2019476"/>
+            <a:ext cx="12192000" cy="4838524"/>
+          </a:xfrm>
+          <a:prstGeom prst="rect">
+            <a:avLst/>
+          </a:prstGeom>
+          <a:gradFill flip="none" rotWithShape="1">
+            <a:gsLst>
+              <a:gs pos="0">
+                <a:schemeClr val="bg2">
+                  <a:alpha val="0"/>
+                </a:schemeClr>
+              </a:gs>
+              <a:gs pos="100000">
+                <a:schemeClr val="bg2"/>
+              </a:gs>
+            </a:gsLst>
+            <a:lin ang="5400000" scaled="0"/>
+            <a:tileRect/>
+          </a:gradFill>
+          <a:ln>
+            <a:noFill/>
+          </a:ln>
+        </p:spPr>
+        <p:style>
+          <a:lnRef idx="2">
+            <a:schemeClr val="accent1">
+              <a:shade val="50000"/>
+            </a:schemeClr>
+          </a:lnRef>
+          <a:fillRef idx="1">
+            <a:schemeClr val="accent1"/>
+          </a:fillRef>
+          <a:effectRef idx="0">
+            <a:schemeClr val="accent1"/>
+          </a:effectRef>
+          <a:fontRef idx="minor">
+            <a:schemeClr val="lt1"/>
+          </a:fontRef>
+        </p:style>
+        <p:txBody>
+          <a:bodyPr rtlCol="0" anchor="ctr"/>
+          <a:lstStyle/>
+          <a:p>
+            <a:pPr lvl="0" algn="ctr"/>
+            <a:endParaRPr lang="en-US"/>
           </a:p>
         </p:txBody>
       </p:sp>
@@ -5361,7 +5534,7 @@
           <p:cNvPr id="3" name="Content Placeholder 2">
             <a:extLst>
               <a:ext uri="{FF2B5EF4-FFF2-40B4-BE49-F238E27FC236}">
-                <a16:creationId xmlns:a16="http://schemas.microsoft.com/office/drawing/2014/main" id="{8E4F0EF2-E1F9-4A25-BC81-2B0CE493FEC7}"/>
+                <a16:creationId xmlns:a16="http://schemas.microsoft.com/office/drawing/2014/main" id="{CEE0BF71-4DB0-3A89-14A1-57876CF6E4AC}"/>
               </a:ext>
             </a:extLst>
           </p:cNvPr>
@@ -5374,117 +5547,234 @@
         </p:nvSpPr>
         <p:spPr>
           <a:xfrm>
-            <a:off x="86497" y="1853754"/>
-            <a:ext cx="5527637" cy="4162865"/>
+            <a:off x="337931" y="1853754"/>
+            <a:ext cx="5438762" cy="4781815"/>
           </a:xfrm>
         </p:spPr>
         <p:txBody>
           <a:bodyPr>
-            <a:normAutofit fontScale="92500" lnSpcReduction="20000"/>
+            <a:normAutofit/>
           </a:bodyPr>
           <a:lstStyle/>
           <a:p>
             <a:r>
               <a:rPr lang="en-US" dirty="0"/>
-              <a:t>O Notation or Big O Notation is a way to express a rough estimate of speed of an algorithm. </a:t>
+              <a:t>Here’s a nested example in code. </a:t>
+            </a:r>
+          </a:p>
+          <a:p>
+            <a:r>
+              <a:rPr lang="en-US" dirty="0"/>
+              <a:t>Each for loop declaration specifies:</a:t>
             </a:r>
           </a:p>
           <a:p>
             <a:pPr lvl="1"/>
             <a:r>
               <a:rPr lang="en-US" dirty="0"/>
-              <a:t>Algorithm – set of steps to achieve a goal. </a:t>
-            </a:r>
-          </a:p>
-          <a:p>
-            <a:r>
-              <a:rPr lang="en-US" dirty="0"/>
-              <a:t>We don’t need to memorize this, but it is a good way to start to consider efficiency when we are looping over massive things many times. </a:t>
+              <a:t>The data structure we’re looping over (after the “in”). </a:t>
             </a:r>
           </a:p>
           <a:p>
             <a:pPr lvl="1"/>
             <a:r>
               <a:rPr lang="en-US" dirty="0"/>
-              <a:t>Care mainly with large data sets, such as NN. </a:t>
-            </a:r>
-          </a:p>
-          <a:p>
-            <a:r>
-              <a:rPr lang="en-US" dirty="0"/>
-              <a:t>O(1) – it take the same time no matter what. </a:t>
-            </a:r>
-          </a:p>
-          <a:p>
-            <a:r>
-              <a:rPr lang="en-US" dirty="0"/>
-              <a:t>O(n) – it take the same time for each item. </a:t>
-            </a:r>
-          </a:p>
-          <a:p>
-            <a:r>
-              <a:rPr lang="en-US" dirty="0"/>
-              <a:t>O(n2) – it takes time times time. Nested linear. </a:t>
-            </a:r>
-          </a:p>
-          <a:p>
-            <a:r>
-              <a:rPr lang="en-US" dirty="0"/>
-              <a:t>O(2n) – it takes time to the time. Find all subsets. </a:t>
+              <a:t>The name of the specific object we grab each time (before the ”in”). </a:t>
+            </a:r>
+          </a:p>
+          <a:p>
+            <a:r>
+              <a:rPr lang="en-US" dirty="0"/>
+              <a:t>We do the thing in the body. </a:t>
+            </a:r>
+          </a:p>
+          <a:p>
+            <a:r>
+              <a:rPr lang="en-US" dirty="0"/>
+              <a:t>We don’t need to manually update a counter (unless we need it for something else). </a:t>
+            </a:r>
+          </a:p>
+          <a:p>
+            <a:pPr lvl="1"/>
+            <a:r>
+              <a:rPr lang="en-US" dirty="0"/>
+              <a:t>The loop manages progress automatically. </a:t>
+            </a:r>
+          </a:p>
+          <a:p>
+            <a:pPr lvl="1"/>
+            <a:r>
+              <a:rPr lang="en-US" dirty="0"/>
+              <a:t>One less thing that can fail. </a:t>
             </a:r>
           </a:p>
         </p:txBody>
       </p:sp>
       <p:pic>
         <p:nvPicPr>
-          <p:cNvPr id="5122" name="Picture 2" descr="Big O Notation: What Is It?. Note that when evaluating the… | by Mohit  Varikuti | Towards AI">
+          <p:cNvPr id="4" name="Picture 3">
             <a:extLst>
               <a:ext uri="{FF2B5EF4-FFF2-40B4-BE49-F238E27FC236}">
-                <a16:creationId xmlns:a16="http://schemas.microsoft.com/office/drawing/2014/main" id="{69A8AC54-DA02-9163-EE3E-91FC5DD39031}"/>
+                <a16:creationId xmlns:a16="http://schemas.microsoft.com/office/drawing/2014/main" id="{8E944951-564D-1CD8-1BC6-64361FA6BA72}"/>
               </a:ext>
             </a:extLst>
           </p:cNvPr>
           <p:cNvPicPr>
-            <a:picLocks noChangeAspect="1" noChangeArrowheads="1"/>
+            <a:picLocks noChangeAspect="1"/>
           </p:cNvPicPr>
           <p:nvPr/>
         </p:nvPicPr>
         <p:blipFill>
-          <a:blip r:embed="rId2">
-            <a:extLst>
-              <a:ext uri="{28A0092B-C50C-407E-A947-70E740481C1C}">
-                <a14:useLocalDpi xmlns:a14="http://schemas.microsoft.com/office/drawing/2010/main" val="0"/>
-              </a:ext>
-            </a:extLst>
-          </a:blip>
+          <a:blip r:embed="rId2"/>
           <a:stretch>
             <a:fillRect/>
           </a:stretch>
         </p:blipFill>
-        <p:spPr bwMode="auto">
-          <a:xfrm>
-            <a:off x="5614134" y="1890616"/>
-            <a:ext cx="6632017" cy="4162865"/>
+        <p:spPr>
+          <a:xfrm>
+            <a:off x="6437150" y="10119"/>
+            <a:ext cx="5764146" cy="6625456"/>
           </a:xfrm>
           <a:prstGeom prst="rect">
             <a:avLst/>
           </a:prstGeom>
-          <a:noFill/>
-          <a:extLst>
-            <a:ext uri="{909E8E84-426E-40DD-AFC4-6F175D3DCCD1}">
-              <a14:hiddenFill xmlns:a14="http://schemas.microsoft.com/office/drawing/2010/main">
-                <a:solidFill>
-                  <a:srgbClr val="FFFFFF"/>
-                </a:solidFill>
-              </a14:hiddenFill>
-            </a:ext>
-          </a:extLst>
         </p:spPr>
       </p:pic>
     </p:spTree>
     <p:extLst>
       <p:ext uri="{BB962C8B-B14F-4D97-AF65-F5344CB8AC3E}">
-        <p14:creationId xmlns:p14="http://schemas.microsoft.com/office/powerpoint/2010/main" val="2071656244"/>
+        <p14:creationId xmlns:p14="http://schemas.microsoft.com/office/powerpoint/2010/main" val="2642633474"/>
+      </p:ext>
+    </p:extLst>
+  </p:cSld>
+  <p:clrMapOvr>
+    <a:masterClrMapping/>
+  </p:clrMapOvr>
+</p:sld>
+</file>
+
+<file path=ppt/slides/slide9.xml><?xml version="1.0" encoding="utf-8"?>
+<p:sld xmlns:a="http://schemas.openxmlformats.org/drawingml/2006/main" xmlns:r="http://schemas.openxmlformats.org/officeDocument/2006/relationships" xmlns:p="http://schemas.openxmlformats.org/presentationml/2006/main">
+  <p:cSld>
+    <p:spTree>
+      <p:nvGrpSpPr>
+        <p:cNvPr id="1" name=""/>
+        <p:cNvGrpSpPr/>
+        <p:nvPr/>
+      </p:nvGrpSpPr>
+      <p:grpSpPr>
+        <a:xfrm>
+          <a:off x="0" y="0"/>
+          <a:ext cx="0" cy="0"/>
+          <a:chOff x="0" y="0"/>
+          <a:chExt cx="0" cy="0"/>
+        </a:xfrm>
+      </p:grpSpPr>
+      <p:sp>
+        <p:nvSpPr>
+          <p:cNvPr id="2" name="Title 1">
+            <a:extLst>
+              <a:ext uri="{FF2B5EF4-FFF2-40B4-BE49-F238E27FC236}">
+                <a16:creationId xmlns:a16="http://schemas.microsoft.com/office/drawing/2014/main" id="{4E2BD8DE-3A15-BA17-3B67-6AC6E54614AE}"/>
+              </a:ext>
+            </a:extLst>
+          </p:cNvPr>
+          <p:cNvSpPr>
+            <a:spLocks noGrp="1"/>
+          </p:cNvSpPr>
+          <p:nvPr>
+            <p:ph type="title"/>
+          </p:nvPr>
+        </p:nvSpPr>
+        <p:spPr/>
+        <p:txBody>
+          <a:bodyPr/>
+          <a:lstStyle/>
+          <a:p>
+            <a:r>
+              <a:rPr lang="en-US" dirty="0"/>
+              <a:t>Loop Control Statements</a:t>
+            </a:r>
+          </a:p>
+        </p:txBody>
+      </p:sp>
+      <p:sp>
+        <p:nvSpPr>
+          <p:cNvPr id="3" name="Content Placeholder 2">
+            <a:extLst>
+              <a:ext uri="{FF2B5EF4-FFF2-40B4-BE49-F238E27FC236}">
+                <a16:creationId xmlns:a16="http://schemas.microsoft.com/office/drawing/2014/main" id="{8FA9A670-3DF7-7A3A-846F-FF9DBC42773F}"/>
+              </a:ext>
+            </a:extLst>
+          </p:cNvPr>
+          <p:cNvSpPr>
+            <a:spLocks noGrp="1"/>
+          </p:cNvSpPr>
+          <p:nvPr>
+            <p:ph idx="1"/>
+          </p:nvPr>
+        </p:nvSpPr>
+        <p:spPr>
+          <a:xfrm>
+            <a:off x="1451579" y="2015732"/>
+            <a:ext cx="9603275" cy="3818538"/>
+          </a:xfrm>
+        </p:spPr>
+        <p:txBody>
+          <a:bodyPr/>
+          <a:lstStyle/>
+          <a:p>
+            <a:r>
+              <a:rPr lang="en-US" dirty="0"/>
+              <a:t>There are also a handful of loop control statements that are less common. </a:t>
+            </a:r>
+          </a:p>
+          <a:p>
+            <a:pPr lvl="1"/>
+            <a:r>
+              <a:rPr lang="en-US" dirty="0"/>
+              <a:t>Break – stop the loop’s operation. </a:t>
+            </a:r>
+          </a:p>
+          <a:p>
+            <a:pPr lvl="1"/>
+            <a:r>
+              <a:rPr lang="en-US" dirty="0"/>
+              <a:t>Pass – do nothing and go to the next iteration. Often seen with unimplemented features. </a:t>
+            </a:r>
+          </a:p>
+          <a:p>
+            <a:pPr lvl="1"/>
+            <a:r>
+              <a:rPr lang="en-US" dirty="0"/>
+              <a:t>Continue – skip the current iteration and continue looping. </a:t>
+            </a:r>
+          </a:p>
+          <a:p>
+            <a:r>
+              <a:rPr lang="en-US" dirty="0"/>
+              <a:t>These statements are less common but can be very useful on occasion. </a:t>
+            </a:r>
+          </a:p>
+          <a:p>
+            <a:pPr lvl="1"/>
+            <a:r>
+              <a:rPr lang="en-US" dirty="0"/>
+              <a:t>Can provide one-off differences from the normal condition of the loop. </a:t>
+            </a:r>
+          </a:p>
+          <a:p>
+            <a:r>
+              <a:rPr lang="en-US" dirty="0"/>
+              <a:t>“If some special case, then override the loop condition”. </a:t>
+            </a:r>
+          </a:p>
+        </p:txBody>
+      </p:sp>
+    </p:spTree>
+    <p:extLst>
+      <p:ext uri="{BB962C8B-B14F-4D97-AF65-F5344CB8AC3E}">
+        <p14:creationId xmlns:p14="http://schemas.microsoft.com/office/powerpoint/2010/main" val="508724627"/>
       </p:ext>
     </p:extLst>
   </p:cSld>

--- a/course_material/slides/003_loops.pptx
+++ b/course_material/slides/003_loops.pptx
@@ -4258,8 +4258,8 @@
         </p:nvSpPr>
         <p:spPr>
           <a:xfrm>
-            <a:off x="1451579" y="2015732"/>
-            <a:ext cx="9603275" cy="4116711"/>
+            <a:off x="1451579" y="1853754"/>
+            <a:ext cx="9603275" cy="4278689"/>
           </a:xfrm>
         </p:spPr>
         <p:txBody>
@@ -4283,6 +4283,12 @@
           <a:p>
             <a:r>
               <a:rPr lang="en-US" dirty="0"/>
+              <a:t>Lab 1 – we’ll be able to tackle it in its entirety post-functions. Most is OK now. </a:t>
+            </a:r>
+          </a:p>
+          <a:p>
+            <a:r>
+              <a:rPr lang="en-US" dirty="0"/>
               <a:t>Today:</a:t>
             </a:r>
           </a:p>
@@ -4311,13 +4317,8 @@
             <a:pPr lvl="1"/>
             <a:r>
               <a:rPr lang="en-US" dirty="0"/>
-              <a:t>Maybe some file access stuff, depending </a:t>
-            </a:r>
-            <a:r>
-              <a:rPr lang="en-US"/>
-              <a:t>on time.  </a:t>
-            </a:r>
-            <a:endParaRPr lang="en-US" dirty="0"/>
+              <a:t>Maybe some file access stuff, depending on time.  </a:t>
+            </a:r>
           </a:p>
           <a:p>
             <a:r>
@@ -4447,6 +4448,17 @@
               <a:rPr lang="en-US" dirty="0"/>
               <a:t>Commonly used to do something a preset number of times, or do something to every item in a data structure. </a:t>
             </a:r>
+          </a:p>
+          <a:p>
+            <a:r>
+              <a:rPr lang="en-US" dirty="0"/>
+              <a:t>Conditional statements branch, loop statements “branch” back to </a:t>
+            </a:r>
+            <a:r>
+              <a:rPr lang="en-US"/>
+              <a:t>the start of a block. </a:t>
+            </a:r>
+            <a:endParaRPr lang="en-US" dirty="0"/>
           </a:p>
         </p:txBody>
       </p:sp>

--- a/course_material/slides/003_loops.pptx
+++ b/course_material/slides/003_loops.pptx
@@ -115,6 +115,11 @@
       </a:defRPr>
     </a:lvl9pPr>
   </p:defaultTextStyle>
+  <p:extLst>
+    <p:ext uri="{EFAFB233-063F-42B5-8137-9DF3F51BA10A}">
+      <p15:sldGuideLst xmlns:p15="http://schemas.microsoft.com/office/powerpoint/2012/main"/>
+    </p:ext>
+  </p:extLst>
 </p:presentation>
 </file>
 
@@ -257,7 +262,7 @@
           <a:p>
             <a:fld id="{55115553-BA6D-E449-B244-9E82488F93BF}" type="datetimeFigureOut">
               <a:rPr lang="en-US" smtClean="0"/>
-              <a:t>9/7/23</a:t>
+              <a:t>9/13/23</a:t>
             </a:fld>
             <a:endParaRPr lang="en-US"/>
           </a:p>
@@ -468,7 +473,7 @@
           <a:p>
             <a:fld id="{55115553-BA6D-E449-B244-9E82488F93BF}" type="datetimeFigureOut">
               <a:rPr lang="en-US" smtClean="0"/>
-              <a:t>9/7/23</a:t>
+              <a:t>9/13/23</a:t>
             </a:fld>
             <a:endParaRPr lang="en-US"/>
           </a:p>
@@ -683,7 +688,7 @@
           <a:p>
             <a:fld id="{55115553-BA6D-E449-B244-9E82488F93BF}" type="datetimeFigureOut">
               <a:rPr lang="en-US" smtClean="0"/>
-              <a:t>9/7/23</a:t>
+              <a:t>9/13/23</a:t>
             </a:fld>
             <a:endParaRPr lang="en-US"/>
           </a:p>
@@ -884,7 +889,7 @@
           <a:p>
             <a:fld id="{55115553-BA6D-E449-B244-9E82488F93BF}" type="datetimeFigureOut">
               <a:rPr lang="en-US" smtClean="0"/>
-              <a:t>9/7/23</a:t>
+              <a:t>9/13/23</a:t>
             </a:fld>
             <a:endParaRPr lang="en-US"/>
           </a:p>
@@ -1163,7 +1168,7 @@
           <a:p>
             <a:fld id="{55115553-BA6D-E449-B244-9E82488F93BF}" type="datetimeFigureOut">
               <a:rPr lang="en-US" smtClean="0"/>
-              <a:t>9/7/23</a:t>
+              <a:t>9/13/23</a:t>
             </a:fld>
             <a:endParaRPr lang="en-US"/>
           </a:p>
@@ -1431,7 +1436,7 @@
           <a:p>
             <a:fld id="{55115553-BA6D-E449-B244-9E82488F93BF}" type="datetimeFigureOut">
               <a:rPr lang="en-US" smtClean="0"/>
-              <a:t>9/7/23</a:t>
+              <a:t>9/13/23</a:t>
             </a:fld>
             <a:endParaRPr lang="en-US"/>
           </a:p>
@@ -1847,7 +1852,7 @@
           <a:p>
             <a:fld id="{55115553-BA6D-E449-B244-9E82488F93BF}" type="datetimeFigureOut">
               <a:rPr lang="en-US" smtClean="0"/>
-              <a:t>9/7/23</a:t>
+              <a:t>9/13/23</a:t>
             </a:fld>
             <a:endParaRPr lang="en-US"/>
           </a:p>
@@ -1996,7 +2001,7 @@
           <a:p>
             <a:fld id="{55115553-BA6D-E449-B244-9E82488F93BF}" type="datetimeFigureOut">
               <a:rPr lang="en-US" smtClean="0"/>
-              <a:t>9/7/23</a:t>
+              <a:t>9/13/23</a:t>
             </a:fld>
             <a:endParaRPr lang="en-US"/>
           </a:p>
@@ -2122,7 +2127,7 @@
           <a:p>
             <a:fld id="{55115553-BA6D-E449-B244-9E82488F93BF}" type="datetimeFigureOut">
               <a:rPr lang="en-US" smtClean="0"/>
-              <a:t>9/7/23</a:t>
+              <a:t>9/13/23</a:t>
             </a:fld>
             <a:endParaRPr lang="en-US"/>
           </a:p>
@@ -2373,7 +2378,7 @@
           <a:p>
             <a:fld id="{55115553-BA6D-E449-B244-9E82488F93BF}" type="datetimeFigureOut">
               <a:rPr lang="en-US" smtClean="0"/>
-              <a:t>9/7/23</a:t>
+              <a:t>9/13/23</a:t>
             </a:fld>
             <a:endParaRPr lang="en-US"/>
           </a:p>
@@ -2818,7 +2823,7 @@
           <a:p>
             <a:fld id="{55115553-BA6D-E449-B244-9E82488F93BF}" type="datetimeFigureOut">
               <a:rPr lang="en-US" smtClean="0"/>
-              <a:t>9/7/23</a:t>
+              <a:t>9/13/23</a:t>
             </a:fld>
             <a:endParaRPr lang="en-US"/>
           </a:p>
@@ -3145,7 +3150,7 @@
           <a:p>
             <a:fld id="{55115553-BA6D-E449-B244-9E82488F93BF}" type="datetimeFigureOut">
               <a:rPr lang="en-US" smtClean="0"/>
-              <a:t>9/7/23</a:t>
+              <a:t>9/13/23</a:t>
             </a:fld>
             <a:endParaRPr lang="en-US"/>
           </a:p>
@@ -4264,7 +4269,7 @@
         </p:spPr>
         <p:txBody>
           <a:bodyPr>
-            <a:normAutofit/>
+            <a:normAutofit fontScale="92500" lnSpcReduction="10000"/>
           </a:bodyPr>
           <a:lstStyle/>
           <a:p>
@@ -4284,6 +4289,13 @@
             <a:r>
               <a:rPr lang="en-US" dirty="0"/>
               <a:t>Lab 1 – we’ll be able to tackle it in its entirety post-functions. Most is OK now. </a:t>
+            </a:r>
+          </a:p>
+          <a:p>
+            <a:pPr lvl="1"/>
+            <a:r>
+              <a:rPr lang="en-US" dirty="0"/>
+              <a:t>Lab 0. Not due. For fun only. I forgot to clear the dates, so it showed in your calendar. </a:t>
             </a:r>
           </a:p>
           <a:p>
@@ -4452,13 +4464,8 @@
           <a:p>
             <a:r>
               <a:rPr lang="en-US" dirty="0"/>
-              <a:t>Conditional statements branch, loop statements “branch” back to </a:t>
-            </a:r>
-            <a:r>
-              <a:rPr lang="en-US"/>
-              <a:t>the start of a block. </a:t>
-            </a:r>
-            <a:endParaRPr lang="en-US" dirty="0"/>
+              <a:t>Conditional statements branch, loop statements “branch” back to the start of a block. </a:t>
+            </a:r>
           </a:p>
         </p:txBody>
       </p:sp>
